--- a/c++deep022_虚函数与多态.pptx
+++ b/c++deep022_虚函数与多态.pptx
@@ -3,13 +3,20 @@
 <p:presentation xmlns:a="http://schemas.openxmlformats.org/drawingml/2006/main" xmlns:p="http://schemas.openxmlformats.org/presentationml/2006/main" xmlns:r="http://schemas.openxmlformats.org/officeDocument/2006/relationships">
   <p:sldMasterIdLst>
     <p:sldMasterId id="2147483648" r:id="rId2"/>
+    <p:sldMasterId id="2147483661" r:id="rId3"/>
   </p:sldMasterIdLst>
   <p:sldIdLst>
-    <p:sldId id="256" r:id="rId3"/>
-    <p:sldId id="257" r:id="rId4"/>
-    <p:sldId id="258" r:id="rId5"/>
-    <p:sldId id="259" r:id="rId6"/>
-    <p:sldId id="260" r:id="rId7"/>
+    <p:sldId id="256" r:id="rId4"/>
+    <p:sldId id="257" r:id="rId5"/>
+    <p:sldId id="258" r:id="rId6"/>
+    <p:sldId id="259" r:id="rId7"/>
+    <p:sldId id="260" r:id="rId8"/>
+    <p:sldId id="261" r:id="rId9"/>
+    <p:sldId id="262" r:id="rId10"/>
+    <p:sldId id="263" r:id="rId11"/>
+    <p:sldId id="264" r:id="rId12"/>
+    <p:sldId id="265" r:id="rId13"/>
+    <p:sldId id="266" r:id="rId14"/>
   </p:sldIdLst>
   <p:sldSz cx="10080625" cy="7559675"/>
   <p:notesSz cx="7559675" cy="10691812"/>
@@ -67,8 +74,8 @@
         </p:nvSpPr>
         <p:spPr>
           <a:xfrm>
-            <a:off x="504000" y="301320"/>
-            <a:ext cx="9071640" cy="1262520"/>
+            <a:off x="504000" y="576000"/>
+            <a:ext cx="7200000" cy="720360"/>
           </a:xfrm>
           <a:prstGeom prst="rect">
             <a:avLst/>
@@ -77,7 +84,6 @@
         <p:txBody>
           <a:bodyPr lIns="0" rIns="0" tIns="0" bIns="0" anchor="ctr"/>
           <a:p>
-            <a:pPr algn="ctr"/>
             <a:endParaRPr/>
           </a:p>
         </p:txBody>
@@ -94,8 +100,8 @@
         </p:nvSpPr>
         <p:spPr>
           <a:xfrm>
-            <a:off x="504000" y="1769040"/>
-            <a:ext cx="9071640" cy="2091240"/>
+            <a:off x="504000" y="1800000"/>
+            <a:ext cx="9072000" cy="2091240"/>
           </a:xfrm>
           <a:prstGeom prst="rect">
             <a:avLst/>
@@ -120,8 +126,8 @@
         </p:nvSpPr>
         <p:spPr>
           <a:xfrm>
-            <a:off x="504000" y="4059360"/>
-            <a:ext cx="9071640" cy="2091240"/>
+            <a:off x="504000" y="4090320"/>
+            <a:ext cx="9072000" cy="2091240"/>
           </a:xfrm>
           <a:prstGeom prst="rect">
             <a:avLst/>
@@ -168,8 +174,8 @@
         </p:nvSpPr>
         <p:spPr>
           <a:xfrm>
-            <a:off x="504000" y="301320"/>
-            <a:ext cx="9071640" cy="1262520"/>
+            <a:off x="504000" y="576000"/>
+            <a:ext cx="7200000" cy="720360"/>
           </a:xfrm>
           <a:prstGeom prst="rect">
             <a:avLst/>
@@ -178,7 +184,6 @@
         <p:txBody>
           <a:bodyPr lIns="0" rIns="0" tIns="0" bIns="0" anchor="ctr"/>
           <a:p>
-            <a:pPr algn="ctr"/>
             <a:endParaRPr/>
           </a:p>
         </p:txBody>
@@ -195,7 +200,7 @@
         </p:nvSpPr>
         <p:spPr>
           <a:xfrm>
-            <a:off x="504000" y="1769040"/>
+            <a:off x="504000" y="1800000"/>
             <a:ext cx="4426920" cy="2091240"/>
           </a:xfrm>
           <a:prstGeom prst="rect">
@@ -221,7 +226,7 @@
         </p:nvSpPr>
         <p:spPr>
           <a:xfrm>
-            <a:off x="5152680" y="1769040"/>
+            <a:off x="5152680" y="1800000"/>
             <a:ext cx="4426920" cy="2091240"/>
           </a:xfrm>
           <a:prstGeom prst="rect">
@@ -247,7 +252,7 @@
         </p:nvSpPr>
         <p:spPr>
           <a:xfrm>
-            <a:off x="5152680" y="4059360"/>
+            <a:off x="5152680" y="4090320"/>
             <a:ext cx="4426920" cy="2091240"/>
           </a:xfrm>
           <a:prstGeom prst="rect">
@@ -273,7 +278,7 @@
         </p:nvSpPr>
         <p:spPr>
           <a:xfrm>
-            <a:off x="504000" y="4059360"/>
+            <a:off x="504000" y="4090320"/>
             <a:ext cx="4426920" cy="2091240"/>
           </a:xfrm>
           <a:prstGeom prst="rect">
@@ -321,8 +326,8 @@
         </p:nvSpPr>
         <p:spPr>
           <a:xfrm>
-            <a:off x="504000" y="301320"/>
-            <a:ext cx="9071640" cy="1262520"/>
+            <a:off x="504000" y="576000"/>
+            <a:ext cx="7200000" cy="720360"/>
           </a:xfrm>
           <a:prstGeom prst="rect">
             <a:avLst/>
@@ -331,7 +336,6 @@
         <p:txBody>
           <a:bodyPr lIns="0" rIns="0" tIns="0" bIns="0" anchor="ctr"/>
           <a:p>
-            <a:pPr algn="ctr"/>
             <a:endParaRPr/>
           </a:p>
         </p:txBody>
@@ -348,8 +352,8 @@
         </p:nvSpPr>
         <p:spPr>
           <a:xfrm>
-            <a:off x="504000" y="1769040"/>
-            <a:ext cx="9071640" cy="4384440"/>
+            <a:off x="504000" y="1800000"/>
+            <a:ext cx="9072000" cy="4384440"/>
           </a:xfrm>
           <a:prstGeom prst="rect">
             <a:avLst/>
@@ -374,8 +378,8 @@
         </p:nvSpPr>
         <p:spPr>
           <a:xfrm>
-            <a:off x="504000" y="1769040"/>
-            <a:ext cx="9071640" cy="4384440"/>
+            <a:off x="504000" y="1800000"/>
+            <a:ext cx="9072000" cy="4384440"/>
           </a:xfrm>
           <a:prstGeom prst="rect">
             <a:avLst/>
@@ -402,7 +406,7 @@
         </p:blipFill>
         <p:spPr>
           <a:xfrm>
-            <a:off x="2292120" y="1768680"/>
+            <a:off x="2292480" y="1799640"/>
             <a:ext cx="5495040" cy="4384440"/>
           </a:xfrm>
           <a:prstGeom prst="rect">
@@ -427,7 +431,7 @@
         </p:blipFill>
         <p:spPr>
           <a:xfrm>
-            <a:off x="2292120" y="1768680"/>
+            <a:off x="2292480" y="1799640"/>
             <a:ext cx="5495040" cy="4384440"/>
           </a:xfrm>
           <a:prstGeom prst="rect">
@@ -438,6 +442,500 @@
           </a:ln>
         </p:spPr>
       </p:pic>
+    </p:spTree>
+  </p:cSld>
+</p:sldLayout>
+</file>
+
+<file path=ppt/slideLayouts/slideLayout13.xml><?xml version="1.0" encoding="utf-8"?>
+<p:sldLayout xmlns:a="http://schemas.openxmlformats.org/drawingml/2006/main" xmlns:p="http://schemas.openxmlformats.org/presentationml/2006/main" xmlns:r="http://schemas.openxmlformats.org/officeDocument/2006/relationships" type="blank" preserve="1">
+  <p:cSld name="Blank Slide">
+    <p:spTree>
+      <p:nvGrpSpPr>
+        <p:cNvPr id="1" name=""/>
+        <p:cNvGrpSpPr/>
+        <p:nvPr/>
+      </p:nvGrpSpPr>
+      <p:grpSpPr>
+        <a:xfrm>
+          <a:off x="0" y="0"/>
+          <a:ext cx="0" cy="0"/>
+          <a:chOff x="0" y="0"/>
+          <a:chExt cx="0" cy="0"/>
+        </a:xfrm>
+      </p:grpSpPr>
+    </p:spTree>
+  </p:cSld>
+</p:sldLayout>
+</file>
+
+<file path=ppt/slideLayouts/slideLayout14.xml><?xml version="1.0" encoding="utf-8"?>
+<p:sldLayout xmlns:a="http://schemas.openxmlformats.org/drawingml/2006/main" xmlns:p="http://schemas.openxmlformats.org/presentationml/2006/main" xmlns:r="http://schemas.openxmlformats.org/officeDocument/2006/relationships" type="tx" preserve="1">
+  <p:cSld name="Title Slide">
+    <p:spTree>
+      <p:nvGrpSpPr>
+        <p:cNvPr id="1" name=""/>
+        <p:cNvGrpSpPr/>
+        <p:nvPr/>
+      </p:nvGrpSpPr>
+      <p:grpSpPr>
+        <a:xfrm>
+          <a:off x="0" y="0"/>
+          <a:ext cx="0" cy="0"/>
+          <a:chOff x="0" y="0"/>
+          <a:chExt cx="0" cy="0"/>
+        </a:xfrm>
+      </p:grpSpPr>
+      <p:sp>
+        <p:nvSpPr>
+          <p:cNvPr id="45" name="PlaceHolder 1"/>
+          <p:cNvSpPr>
+            <a:spLocks noGrp="1"/>
+          </p:cNvSpPr>
+          <p:nvPr>
+            <p:ph type="title"/>
+          </p:nvPr>
+        </p:nvSpPr>
+        <p:spPr>
+          <a:xfrm>
+            <a:off x="504000" y="576000"/>
+            <a:ext cx="7200000" cy="720360"/>
+          </a:xfrm>
+          <a:prstGeom prst="rect">
+            <a:avLst/>
+          </a:prstGeom>
+        </p:spPr>
+        <p:txBody>
+          <a:bodyPr lIns="0" rIns="0" tIns="0" bIns="0" anchor="ctr"/>
+          <a:p>
+            <a:endParaRPr/>
+          </a:p>
+        </p:txBody>
+      </p:sp>
+      <p:sp>
+        <p:nvSpPr>
+          <p:cNvPr id="46" name="PlaceHolder 2"/>
+          <p:cNvSpPr>
+            <a:spLocks noGrp="1"/>
+          </p:cNvSpPr>
+          <p:nvPr>
+            <p:ph type="subTitle"/>
+          </p:nvPr>
+        </p:nvSpPr>
+        <p:spPr>
+          <a:xfrm>
+            <a:off x="504000" y="1800000"/>
+            <a:ext cx="9072000" cy="4384800"/>
+          </a:xfrm>
+          <a:prstGeom prst="rect">
+            <a:avLst/>
+          </a:prstGeom>
+        </p:spPr>
+        <p:txBody>
+          <a:bodyPr lIns="0" rIns="0" tIns="0" bIns="0" anchor="ctr"/>
+          <a:p>
+            <a:pPr algn="ctr"/>
+            <a:endParaRPr/>
+          </a:p>
+        </p:txBody>
+      </p:sp>
+    </p:spTree>
+  </p:cSld>
+</p:sldLayout>
+</file>
+
+<file path=ppt/slideLayouts/slideLayout15.xml><?xml version="1.0" encoding="utf-8"?>
+<p:sldLayout xmlns:a="http://schemas.openxmlformats.org/drawingml/2006/main" xmlns:p="http://schemas.openxmlformats.org/presentationml/2006/main" xmlns:r="http://schemas.openxmlformats.org/officeDocument/2006/relationships" type="obj" preserve="1">
+  <p:cSld name="Title, Content">
+    <p:spTree>
+      <p:nvGrpSpPr>
+        <p:cNvPr id="1" name=""/>
+        <p:cNvGrpSpPr/>
+        <p:nvPr/>
+      </p:nvGrpSpPr>
+      <p:grpSpPr>
+        <a:xfrm>
+          <a:off x="0" y="0"/>
+          <a:ext cx="0" cy="0"/>
+          <a:chOff x="0" y="0"/>
+          <a:chExt cx="0" cy="0"/>
+        </a:xfrm>
+      </p:grpSpPr>
+      <p:sp>
+        <p:nvSpPr>
+          <p:cNvPr id="47" name="PlaceHolder 1"/>
+          <p:cNvSpPr>
+            <a:spLocks noGrp="1"/>
+          </p:cNvSpPr>
+          <p:nvPr>
+            <p:ph type="title"/>
+          </p:nvPr>
+        </p:nvSpPr>
+        <p:spPr>
+          <a:xfrm>
+            <a:off x="504000" y="576000"/>
+            <a:ext cx="7200000" cy="720360"/>
+          </a:xfrm>
+          <a:prstGeom prst="rect">
+            <a:avLst/>
+          </a:prstGeom>
+        </p:spPr>
+        <p:txBody>
+          <a:bodyPr lIns="0" rIns="0" tIns="0" bIns="0" anchor="ctr"/>
+          <a:p>
+            <a:endParaRPr/>
+          </a:p>
+        </p:txBody>
+      </p:sp>
+      <p:sp>
+        <p:nvSpPr>
+          <p:cNvPr id="48" name="PlaceHolder 2"/>
+          <p:cNvSpPr>
+            <a:spLocks noGrp="1"/>
+          </p:cNvSpPr>
+          <p:nvPr>
+            <p:ph type="body"/>
+          </p:nvPr>
+        </p:nvSpPr>
+        <p:spPr>
+          <a:xfrm>
+            <a:off x="504000" y="1800000"/>
+            <a:ext cx="9072000" cy="4384440"/>
+          </a:xfrm>
+          <a:prstGeom prst="rect">
+            <a:avLst/>
+          </a:prstGeom>
+        </p:spPr>
+        <p:txBody>
+          <a:bodyPr lIns="0" rIns="0" tIns="0" bIns="0"/>
+          <a:p>
+            <a:endParaRPr/>
+          </a:p>
+        </p:txBody>
+      </p:sp>
+    </p:spTree>
+  </p:cSld>
+</p:sldLayout>
+</file>
+
+<file path=ppt/slideLayouts/slideLayout16.xml><?xml version="1.0" encoding="utf-8"?>
+<p:sldLayout xmlns:a="http://schemas.openxmlformats.org/drawingml/2006/main" xmlns:p="http://schemas.openxmlformats.org/presentationml/2006/main" xmlns:r="http://schemas.openxmlformats.org/officeDocument/2006/relationships" type="twoObj" preserve="1">
+  <p:cSld name="Title, 2 Content">
+    <p:spTree>
+      <p:nvGrpSpPr>
+        <p:cNvPr id="1" name=""/>
+        <p:cNvGrpSpPr/>
+        <p:nvPr/>
+      </p:nvGrpSpPr>
+      <p:grpSpPr>
+        <a:xfrm>
+          <a:off x="0" y="0"/>
+          <a:ext cx="0" cy="0"/>
+          <a:chOff x="0" y="0"/>
+          <a:chExt cx="0" cy="0"/>
+        </a:xfrm>
+      </p:grpSpPr>
+      <p:sp>
+        <p:nvSpPr>
+          <p:cNvPr id="49" name="PlaceHolder 1"/>
+          <p:cNvSpPr>
+            <a:spLocks noGrp="1"/>
+          </p:cNvSpPr>
+          <p:nvPr>
+            <p:ph type="title"/>
+          </p:nvPr>
+        </p:nvSpPr>
+        <p:spPr>
+          <a:xfrm>
+            <a:off x="504000" y="576000"/>
+            <a:ext cx="7200000" cy="720360"/>
+          </a:xfrm>
+          <a:prstGeom prst="rect">
+            <a:avLst/>
+          </a:prstGeom>
+        </p:spPr>
+        <p:txBody>
+          <a:bodyPr lIns="0" rIns="0" tIns="0" bIns="0" anchor="ctr"/>
+          <a:p>
+            <a:endParaRPr/>
+          </a:p>
+        </p:txBody>
+      </p:sp>
+      <p:sp>
+        <p:nvSpPr>
+          <p:cNvPr id="50" name="PlaceHolder 2"/>
+          <p:cNvSpPr>
+            <a:spLocks noGrp="1"/>
+          </p:cNvSpPr>
+          <p:nvPr>
+            <p:ph type="body"/>
+          </p:nvPr>
+        </p:nvSpPr>
+        <p:spPr>
+          <a:xfrm>
+            <a:off x="504000" y="1800000"/>
+            <a:ext cx="4426920" cy="4384440"/>
+          </a:xfrm>
+          <a:prstGeom prst="rect">
+            <a:avLst/>
+          </a:prstGeom>
+        </p:spPr>
+        <p:txBody>
+          <a:bodyPr lIns="0" rIns="0" tIns="0" bIns="0"/>
+          <a:p>
+            <a:endParaRPr/>
+          </a:p>
+        </p:txBody>
+      </p:sp>
+      <p:sp>
+        <p:nvSpPr>
+          <p:cNvPr id="51" name="PlaceHolder 3"/>
+          <p:cNvSpPr>
+            <a:spLocks noGrp="1"/>
+          </p:cNvSpPr>
+          <p:nvPr>
+            <p:ph type="body"/>
+          </p:nvPr>
+        </p:nvSpPr>
+        <p:spPr>
+          <a:xfrm>
+            <a:off x="5152680" y="1800000"/>
+            <a:ext cx="4426920" cy="4384440"/>
+          </a:xfrm>
+          <a:prstGeom prst="rect">
+            <a:avLst/>
+          </a:prstGeom>
+        </p:spPr>
+        <p:txBody>
+          <a:bodyPr lIns="0" rIns="0" tIns="0" bIns="0"/>
+          <a:p>
+            <a:endParaRPr/>
+          </a:p>
+        </p:txBody>
+      </p:sp>
+    </p:spTree>
+  </p:cSld>
+</p:sldLayout>
+</file>
+
+<file path=ppt/slideLayouts/slideLayout17.xml><?xml version="1.0" encoding="utf-8"?>
+<p:sldLayout xmlns:a="http://schemas.openxmlformats.org/drawingml/2006/main" xmlns:p="http://schemas.openxmlformats.org/presentationml/2006/main" xmlns:r="http://schemas.openxmlformats.org/officeDocument/2006/relationships" type="titleOnly" preserve="1">
+  <p:cSld name="Title Only">
+    <p:spTree>
+      <p:nvGrpSpPr>
+        <p:cNvPr id="1" name=""/>
+        <p:cNvGrpSpPr/>
+        <p:nvPr/>
+      </p:nvGrpSpPr>
+      <p:grpSpPr>
+        <a:xfrm>
+          <a:off x="0" y="0"/>
+          <a:ext cx="0" cy="0"/>
+          <a:chOff x="0" y="0"/>
+          <a:chExt cx="0" cy="0"/>
+        </a:xfrm>
+      </p:grpSpPr>
+      <p:sp>
+        <p:nvSpPr>
+          <p:cNvPr id="52" name="PlaceHolder 1"/>
+          <p:cNvSpPr>
+            <a:spLocks noGrp="1"/>
+          </p:cNvSpPr>
+          <p:nvPr>
+            <p:ph type="title"/>
+          </p:nvPr>
+        </p:nvSpPr>
+        <p:spPr>
+          <a:xfrm>
+            <a:off x="504000" y="576000"/>
+            <a:ext cx="7200000" cy="720360"/>
+          </a:xfrm>
+          <a:prstGeom prst="rect">
+            <a:avLst/>
+          </a:prstGeom>
+        </p:spPr>
+        <p:txBody>
+          <a:bodyPr lIns="0" rIns="0" tIns="0" bIns="0" anchor="ctr"/>
+          <a:p>
+            <a:endParaRPr/>
+          </a:p>
+        </p:txBody>
+      </p:sp>
+    </p:spTree>
+  </p:cSld>
+</p:sldLayout>
+</file>
+
+<file path=ppt/slideLayouts/slideLayout18.xml><?xml version="1.0" encoding="utf-8"?>
+<p:sldLayout xmlns:a="http://schemas.openxmlformats.org/drawingml/2006/main" xmlns:p="http://schemas.openxmlformats.org/presentationml/2006/main" xmlns:r="http://schemas.openxmlformats.org/officeDocument/2006/relationships" type="objOnly" preserve="1">
+  <p:cSld name="Centered Text">
+    <p:spTree>
+      <p:nvGrpSpPr>
+        <p:cNvPr id="1" name=""/>
+        <p:cNvGrpSpPr/>
+        <p:nvPr/>
+      </p:nvGrpSpPr>
+      <p:grpSpPr>
+        <a:xfrm>
+          <a:off x="0" y="0"/>
+          <a:ext cx="0" cy="0"/>
+          <a:chOff x="0" y="0"/>
+          <a:chExt cx="0" cy="0"/>
+        </a:xfrm>
+      </p:grpSpPr>
+      <p:sp>
+        <p:nvSpPr>
+          <p:cNvPr id="53" name="PlaceHolder 1"/>
+          <p:cNvSpPr>
+            <a:spLocks noGrp="1"/>
+          </p:cNvSpPr>
+          <p:nvPr>
+            <p:ph type="subTitle"/>
+          </p:nvPr>
+        </p:nvSpPr>
+        <p:spPr>
+          <a:xfrm>
+            <a:off x="504000" y="576000"/>
+            <a:ext cx="7200000" cy="3339000"/>
+          </a:xfrm>
+          <a:prstGeom prst="rect">
+            <a:avLst/>
+          </a:prstGeom>
+        </p:spPr>
+        <p:txBody>
+          <a:bodyPr lIns="0" rIns="0" tIns="0" bIns="0" anchor="ctr"/>
+          <a:p>
+            <a:pPr algn="ctr"/>
+            <a:endParaRPr/>
+          </a:p>
+        </p:txBody>
+      </p:sp>
+    </p:spTree>
+  </p:cSld>
+</p:sldLayout>
+</file>
+
+<file path=ppt/slideLayouts/slideLayout19.xml><?xml version="1.0" encoding="utf-8"?>
+<p:sldLayout xmlns:a="http://schemas.openxmlformats.org/drawingml/2006/main" xmlns:p="http://schemas.openxmlformats.org/presentationml/2006/main" xmlns:r="http://schemas.openxmlformats.org/officeDocument/2006/relationships" type="twoObjAndObj" preserve="1">
+  <p:cSld name="Title, 2 Content and Content">
+    <p:spTree>
+      <p:nvGrpSpPr>
+        <p:cNvPr id="1" name=""/>
+        <p:cNvGrpSpPr/>
+        <p:nvPr/>
+      </p:nvGrpSpPr>
+      <p:grpSpPr>
+        <a:xfrm>
+          <a:off x="0" y="0"/>
+          <a:ext cx="0" cy="0"/>
+          <a:chOff x="0" y="0"/>
+          <a:chExt cx="0" cy="0"/>
+        </a:xfrm>
+      </p:grpSpPr>
+      <p:sp>
+        <p:nvSpPr>
+          <p:cNvPr id="54" name="PlaceHolder 1"/>
+          <p:cNvSpPr>
+            <a:spLocks noGrp="1"/>
+          </p:cNvSpPr>
+          <p:nvPr>
+            <p:ph type="title"/>
+          </p:nvPr>
+        </p:nvSpPr>
+        <p:spPr>
+          <a:xfrm>
+            <a:off x="504000" y="576000"/>
+            <a:ext cx="7200000" cy="720360"/>
+          </a:xfrm>
+          <a:prstGeom prst="rect">
+            <a:avLst/>
+          </a:prstGeom>
+        </p:spPr>
+        <p:txBody>
+          <a:bodyPr lIns="0" rIns="0" tIns="0" bIns="0" anchor="ctr"/>
+          <a:p>
+            <a:endParaRPr/>
+          </a:p>
+        </p:txBody>
+      </p:sp>
+      <p:sp>
+        <p:nvSpPr>
+          <p:cNvPr id="55" name="PlaceHolder 2"/>
+          <p:cNvSpPr>
+            <a:spLocks noGrp="1"/>
+          </p:cNvSpPr>
+          <p:nvPr>
+            <p:ph type="body"/>
+          </p:nvPr>
+        </p:nvSpPr>
+        <p:spPr>
+          <a:xfrm>
+            <a:off x="504000" y="1800000"/>
+            <a:ext cx="4426920" cy="2091240"/>
+          </a:xfrm>
+          <a:prstGeom prst="rect">
+            <a:avLst/>
+          </a:prstGeom>
+        </p:spPr>
+        <p:txBody>
+          <a:bodyPr lIns="0" rIns="0" tIns="0" bIns="0"/>
+          <a:p>
+            <a:endParaRPr/>
+          </a:p>
+        </p:txBody>
+      </p:sp>
+      <p:sp>
+        <p:nvSpPr>
+          <p:cNvPr id="56" name="PlaceHolder 3"/>
+          <p:cNvSpPr>
+            <a:spLocks noGrp="1"/>
+          </p:cNvSpPr>
+          <p:nvPr>
+            <p:ph type="body"/>
+          </p:nvPr>
+        </p:nvSpPr>
+        <p:spPr>
+          <a:xfrm>
+            <a:off x="504000" y="4090320"/>
+            <a:ext cx="4426920" cy="2091240"/>
+          </a:xfrm>
+          <a:prstGeom prst="rect">
+            <a:avLst/>
+          </a:prstGeom>
+        </p:spPr>
+        <p:txBody>
+          <a:bodyPr lIns="0" rIns="0" tIns="0" bIns="0"/>
+          <a:p>
+            <a:endParaRPr/>
+          </a:p>
+        </p:txBody>
+      </p:sp>
+      <p:sp>
+        <p:nvSpPr>
+          <p:cNvPr id="57" name="PlaceHolder 4"/>
+          <p:cNvSpPr>
+            <a:spLocks noGrp="1"/>
+          </p:cNvSpPr>
+          <p:nvPr>
+            <p:ph type="body"/>
+          </p:nvPr>
+        </p:nvSpPr>
+        <p:spPr>
+          <a:xfrm>
+            <a:off x="5152680" y="1800000"/>
+            <a:ext cx="4426920" cy="4384440"/>
+          </a:xfrm>
+          <a:prstGeom prst="rect">
+            <a:avLst/>
+          </a:prstGeom>
+        </p:spPr>
+        <p:txBody>
+          <a:bodyPr lIns="0" rIns="0" tIns="0" bIns="0"/>
+          <a:p>
+            <a:endParaRPr/>
+          </a:p>
+        </p:txBody>
+      </p:sp>
     </p:spTree>
   </p:cSld>
 </p:sldLayout>
@@ -472,8 +970,8 @@
         </p:nvSpPr>
         <p:spPr>
           <a:xfrm>
-            <a:off x="504000" y="301320"/>
-            <a:ext cx="9071640" cy="1262520"/>
+            <a:off x="504000" y="576000"/>
+            <a:ext cx="7200000" cy="720360"/>
           </a:xfrm>
           <a:prstGeom prst="rect">
             <a:avLst/>
@@ -482,25 +980,73 @@
         <p:txBody>
           <a:bodyPr lIns="0" rIns="0" tIns="0" bIns="0" anchor="ctr"/>
           <a:p>
+            <a:endParaRPr/>
+          </a:p>
+        </p:txBody>
+      </p:sp>
+      <p:sp>
+        <p:nvSpPr>
+          <p:cNvPr id="6" name="PlaceHolder 2"/>
+          <p:cNvSpPr>
+            <a:spLocks noGrp="1"/>
+          </p:cNvSpPr>
+          <p:nvPr>
+            <p:ph type="subTitle"/>
+          </p:nvPr>
+        </p:nvSpPr>
+        <p:spPr>
+          <a:xfrm>
+            <a:off x="504000" y="1800000"/>
+            <a:ext cx="9072000" cy="4384800"/>
+          </a:xfrm>
+          <a:prstGeom prst="rect">
+            <a:avLst/>
+          </a:prstGeom>
+        </p:spPr>
+        <p:txBody>
+          <a:bodyPr lIns="0" rIns="0" tIns="0" bIns="0" anchor="ctr"/>
+          <a:p>
             <a:pPr algn="ctr"/>
             <a:endParaRPr/>
           </a:p>
         </p:txBody>
       </p:sp>
-      <p:sp>
-        <p:nvSpPr>
-          <p:cNvPr id="6" name="PlaceHolder 2"/>
-          <p:cNvSpPr>
-            <a:spLocks noGrp="1"/>
-          </p:cNvSpPr>
-          <p:nvPr>
-            <p:ph type="subTitle"/>
-          </p:nvPr>
-        </p:nvSpPr>
-        <p:spPr>
-          <a:xfrm>
-            <a:off x="504000" y="1769040"/>
-            <a:ext cx="9071640" cy="4384800"/>
+    </p:spTree>
+  </p:cSld>
+</p:sldLayout>
+</file>
+
+<file path=ppt/slideLayouts/slideLayout20.xml><?xml version="1.0" encoding="utf-8"?>
+<p:sldLayout xmlns:a="http://schemas.openxmlformats.org/drawingml/2006/main" xmlns:p="http://schemas.openxmlformats.org/presentationml/2006/main" xmlns:r="http://schemas.openxmlformats.org/officeDocument/2006/relationships" type="objAndTwoObj" preserve="1">
+  <p:cSld name="Title Content and 2 Content">
+    <p:spTree>
+      <p:nvGrpSpPr>
+        <p:cNvPr id="1" name=""/>
+        <p:cNvGrpSpPr/>
+        <p:nvPr/>
+      </p:nvGrpSpPr>
+      <p:grpSpPr>
+        <a:xfrm>
+          <a:off x="0" y="0"/>
+          <a:ext cx="0" cy="0"/>
+          <a:chOff x="0" y="0"/>
+          <a:chExt cx="0" cy="0"/>
+        </a:xfrm>
+      </p:grpSpPr>
+      <p:sp>
+        <p:nvSpPr>
+          <p:cNvPr id="58" name="PlaceHolder 1"/>
+          <p:cNvSpPr>
+            <a:spLocks noGrp="1"/>
+          </p:cNvSpPr>
+          <p:nvPr>
+            <p:ph type="title"/>
+          </p:nvPr>
+        </p:nvSpPr>
+        <p:spPr>
+          <a:xfrm>
+            <a:off x="504000" y="576000"/>
+            <a:ext cx="7200000" cy="720360"/>
           </a:xfrm>
           <a:prstGeom prst="rect">
             <a:avLst/>
@@ -509,11 +1055,616 @@
         <p:txBody>
           <a:bodyPr lIns="0" rIns="0" tIns="0" bIns="0" anchor="ctr"/>
           <a:p>
-            <a:pPr algn="ctr"/>
-            <a:endParaRPr/>
-          </a:p>
-        </p:txBody>
-      </p:sp>
+            <a:endParaRPr/>
+          </a:p>
+        </p:txBody>
+      </p:sp>
+      <p:sp>
+        <p:nvSpPr>
+          <p:cNvPr id="59" name="PlaceHolder 2"/>
+          <p:cNvSpPr>
+            <a:spLocks noGrp="1"/>
+          </p:cNvSpPr>
+          <p:nvPr>
+            <p:ph type="body"/>
+          </p:nvPr>
+        </p:nvSpPr>
+        <p:spPr>
+          <a:xfrm>
+            <a:off x="504000" y="1800000"/>
+            <a:ext cx="4426920" cy="4384440"/>
+          </a:xfrm>
+          <a:prstGeom prst="rect">
+            <a:avLst/>
+          </a:prstGeom>
+        </p:spPr>
+        <p:txBody>
+          <a:bodyPr lIns="0" rIns="0" tIns="0" bIns="0"/>
+          <a:p>
+            <a:endParaRPr/>
+          </a:p>
+        </p:txBody>
+      </p:sp>
+      <p:sp>
+        <p:nvSpPr>
+          <p:cNvPr id="60" name="PlaceHolder 3"/>
+          <p:cNvSpPr>
+            <a:spLocks noGrp="1"/>
+          </p:cNvSpPr>
+          <p:nvPr>
+            <p:ph type="body"/>
+          </p:nvPr>
+        </p:nvSpPr>
+        <p:spPr>
+          <a:xfrm>
+            <a:off x="5152680" y="1800000"/>
+            <a:ext cx="4426920" cy="2091240"/>
+          </a:xfrm>
+          <a:prstGeom prst="rect">
+            <a:avLst/>
+          </a:prstGeom>
+        </p:spPr>
+        <p:txBody>
+          <a:bodyPr lIns="0" rIns="0" tIns="0" bIns="0"/>
+          <a:p>
+            <a:endParaRPr/>
+          </a:p>
+        </p:txBody>
+      </p:sp>
+      <p:sp>
+        <p:nvSpPr>
+          <p:cNvPr id="61" name="PlaceHolder 4"/>
+          <p:cNvSpPr>
+            <a:spLocks noGrp="1"/>
+          </p:cNvSpPr>
+          <p:nvPr>
+            <p:ph type="body"/>
+          </p:nvPr>
+        </p:nvSpPr>
+        <p:spPr>
+          <a:xfrm>
+            <a:off x="5152680" y="4090320"/>
+            <a:ext cx="4426920" cy="2091240"/>
+          </a:xfrm>
+          <a:prstGeom prst="rect">
+            <a:avLst/>
+          </a:prstGeom>
+        </p:spPr>
+        <p:txBody>
+          <a:bodyPr lIns="0" rIns="0" tIns="0" bIns="0"/>
+          <a:p>
+            <a:endParaRPr/>
+          </a:p>
+        </p:txBody>
+      </p:sp>
+    </p:spTree>
+  </p:cSld>
+</p:sldLayout>
+</file>
+
+<file path=ppt/slideLayouts/slideLayout21.xml><?xml version="1.0" encoding="utf-8"?>
+<p:sldLayout xmlns:a="http://schemas.openxmlformats.org/drawingml/2006/main" xmlns:p="http://schemas.openxmlformats.org/presentationml/2006/main" xmlns:r="http://schemas.openxmlformats.org/officeDocument/2006/relationships" type="twoObjOverTx" preserve="1">
+  <p:cSld name="Title, 2 Content over Content">
+    <p:spTree>
+      <p:nvGrpSpPr>
+        <p:cNvPr id="1" name=""/>
+        <p:cNvGrpSpPr/>
+        <p:nvPr/>
+      </p:nvGrpSpPr>
+      <p:grpSpPr>
+        <a:xfrm>
+          <a:off x="0" y="0"/>
+          <a:ext cx="0" cy="0"/>
+          <a:chOff x="0" y="0"/>
+          <a:chExt cx="0" cy="0"/>
+        </a:xfrm>
+      </p:grpSpPr>
+      <p:sp>
+        <p:nvSpPr>
+          <p:cNvPr id="62" name="PlaceHolder 1"/>
+          <p:cNvSpPr>
+            <a:spLocks noGrp="1"/>
+          </p:cNvSpPr>
+          <p:nvPr>
+            <p:ph type="title"/>
+          </p:nvPr>
+        </p:nvSpPr>
+        <p:spPr>
+          <a:xfrm>
+            <a:off x="504000" y="576000"/>
+            <a:ext cx="7200000" cy="720360"/>
+          </a:xfrm>
+          <a:prstGeom prst="rect">
+            <a:avLst/>
+          </a:prstGeom>
+        </p:spPr>
+        <p:txBody>
+          <a:bodyPr lIns="0" rIns="0" tIns="0" bIns="0" anchor="ctr"/>
+          <a:p>
+            <a:endParaRPr/>
+          </a:p>
+        </p:txBody>
+      </p:sp>
+      <p:sp>
+        <p:nvSpPr>
+          <p:cNvPr id="63" name="PlaceHolder 2"/>
+          <p:cNvSpPr>
+            <a:spLocks noGrp="1"/>
+          </p:cNvSpPr>
+          <p:nvPr>
+            <p:ph type="body"/>
+          </p:nvPr>
+        </p:nvSpPr>
+        <p:spPr>
+          <a:xfrm>
+            <a:off x="504000" y="1800000"/>
+            <a:ext cx="4426920" cy="2091240"/>
+          </a:xfrm>
+          <a:prstGeom prst="rect">
+            <a:avLst/>
+          </a:prstGeom>
+        </p:spPr>
+        <p:txBody>
+          <a:bodyPr lIns="0" rIns="0" tIns="0" bIns="0"/>
+          <a:p>
+            <a:endParaRPr/>
+          </a:p>
+        </p:txBody>
+      </p:sp>
+      <p:sp>
+        <p:nvSpPr>
+          <p:cNvPr id="64" name="PlaceHolder 3"/>
+          <p:cNvSpPr>
+            <a:spLocks noGrp="1"/>
+          </p:cNvSpPr>
+          <p:nvPr>
+            <p:ph type="body"/>
+          </p:nvPr>
+        </p:nvSpPr>
+        <p:spPr>
+          <a:xfrm>
+            <a:off x="5152680" y="1800000"/>
+            <a:ext cx="4426920" cy="2091240"/>
+          </a:xfrm>
+          <a:prstGeom prst="rect">
+            <a:avLst/>
+          </a:prstGeom>
+        </p:spPr>
+        <p:txBody>
+          <a:bodyPr lIns="0" rIns="0" tIns="0" bIns="0"/>
+          <a:p>
+            <a:endParaRPr/>
+          </a:p>
+        </p:txBody>
+      </p:sp>
+      <p:sp>
+        <p:nvSpPr>
+          <p:cNvPr id="65" name="PlaceHolder 4"/>
+          <p:cNvSpPr>
+            <a:spLocks noGrp="1"/>
+          </p:cNvSpPr>
+          <p:nvPr>
+            <p:ph type="body"/>
+          </p:nvPr>
+        </p:nvSpPr>
+        <p:spPr>
+          <a:xfrm>
+            <a:off x="504000" y="4090320"/>
+            <a:ext cx="9072000" cy="2091240"/>
+          </a:xfrm>
+          <a:prstGeom prst="rect">
+            <a:avLst/>
+          </a:prstGeom>
+        </p:spPr>
+        <p:txBody>
+          <a:bodyPr lIns="0" rIns="0" tIns="0" bIns="0"/>
+          <a:p>
+            <a:endParaRPr/>
+          </a:p>
+        </p:txBody>
+      </p:sp>
+    </p:spTree>
+  </p:cSld>
+</p:sldLayout>
+</file>
+
+<file path=ppt/slideLayouts/slideLayout22.xml><?xml version="1.0" encoding="utf-8"?>
+<p:sldLayout xmlns:a="http://schemas.openxmlformats.org/drawingml/2006/main" xmlns:p="http://schemas.openxmlformats.org/presentationml/2006/main" xmlns:r="http://schemas.openxmlformats.org/officeDocument/2006/relationships" type="objOverTx" preserve="1">
+  <p:cSld name="Title, Content over Content">
+    <p:spTree>
+      <p:nvGrpSpPr>
+        <p:cNvPr id="1" name=""/>
+        <p:cNvGrpSpPr/>
+        <p:nvPr/>
+      </p:nvGrpSpPr>
+      <p:grpSpPr>
+        <a:xfrm>
+          <a:off x="0" y="0"/>
+          <a:ext cx="0" cy="0"/>
+          <a:chOff x="0" y="0"/>
+          <a:chExt cx="0" cy="0"/>
+        </a:xfrm>
+      </p:grpSpPr>
+      <p:sp>
+        <p:nvSpPr>
+          <p:cNvPr id="66" name="PlaceHolder 1"/>
+          <p:cNvSpPr>
+            <a:spLocks noGrp="1"/>
+          </p:cNvSpPr>
+          <p:nvPr>
+            <p:ph type="title"/>
+          </p:nvPr>
+        </p:nvSpPr>
+        <p:spPr>
+          <a:xfrm>
+            <a:off x="504000" y="576000"/>
+            <a:ext cx="7200000" cy="720360"/>
+          </a:xfrm>
+          <a:prstGeom prst="rect">
+            <a:avLst/>
+          </a:prstGeom>
+        </p:spPr>
+        <p:txBody>
+          <a:bodyPr lIns="0" rIns="0" tIns="0" bIns="0" anchor="ctr"/>
+          <a:p>
+            <a:endParaRPr/>
+          </a:p>
+        </p:txBody>
+      </p:sp>
+      <p:sp>
+        <p:nvSpPr>
+          <p:cNvPr id="67" name="PlaceHolder 2"/>
+          <p:cNvSpPr>
+            <a:spLocks noGrp="1"/>
+          </p:cNvSpPr>
+          <p:nvPr>
+            <p:ph type="body"/>
+          </p:nvPr>
+        </p:nvSpPr>
+        <p:spPr>
+          <a:xfrm>
+            <a:off x="504000" y="1800000"/>
+            <a:ext cx="9072000" cy="2091240"/>
+          </a:xfrm>
+          <a:prstGeom prst="rect">
+            <a:avLst/>
+          </a:prstGeom>
+        </p:spPr>
+        <p:txBody>
+          <a:bodyPr lIns="0" rIns="0" tIns="0" bIns="0"/>
+          <a:p>
+            <a:endParaRPr/>
+          </a:p>
+        </p:txBody>
+      </p:sp>
+      <p:sp>
+        <p:nvSpPr>
+          <p:cNvPr id="68" name="PlaceHolder 3"/>
+          <p:cNvSpPr>
+            <a:spLocks noGrp="1"/>
+          </p:cNvSpPr>
+          <p:nvPr>
+            <p:ph type="body"/>
+          </p:nvPr>
+        </p:nvSpPr>
+        <p:spPr>
+          <a:xfrm>
+            <a:off x="504000" y="4090320"/>
+            <a:ext cx="9072000" cy="2091240"/>
+          </a:xfrm>
+          <a:prstGeom prst="rect">
+            <a:avLst/>
+          </a:prstGeom>
+        </p:spPr>
+        <p:txBody>
+          <a:bodyPr lIns="0" rIns="0" tIns="0" bIns="0"/>
+          <a:p>
+            <a:endParaRPr/>
+          </a:p>
+        </p:txBody>
+      </p:sp>
+    </p:spTree>
+  </p:cSld>
+</p:sldLayout>
+</file>
+
+<file path=ppt/slideLayouts/slideLayout23.xml><?xml version="1.0" encoding="utf-8"?>
+<p:sldLayout xmlns:a="http://schemas.openxmlformats.org/drawingml/2006/main" xmlns:p="http://schemas.openxmlformats.org/presentationml/2006/main" xmlns:r="http://schemas.openxmlformats.org/officeDocument/2006/relationships" type="fourObj" preserve="1">
+  <p:cSld name="Title, 4 Content">
+    <p:spTree>
+      <p:nvGrpSpPr>
+        <p:cNvPr id="1" name=""/>
+        <p:cNvGrpSpPr/>
+        <p:nvPr/>
+      </p:nvGrpSpPr>
+      <p:grpSpPr>
+        <a:xfrm>
+          <a:off x="0" y="0"/>
+          <a:ext cx="0" cy="0"/>
+          <a:chOff x="0" y="0"/>
+          <a:chExt cx="0" cy="0"/>
+        </a:xfrm>
+      </p:grpSpPr>
+      <p:sp>
+        <p:nvSpPr>
+          <p:cNvPr id="69" name="PlaceHolder 1"/>
+          <p:cNvSpPr>
+            <a:spLocks noGrp="1"/>
+          </p:cNvSpPr>
+          <p:nvPr>
+            <p:ph type="title"/>
+          </p:nvPr>
+        </p:nvSpPr>
+        <p:spPr>
+          <a:xfrm>
+            <a:off x="504000" y="576000"/>
+            <a:ext cx="7200000" cy="720360"/>
+          </a:xfrm>
+          <a:prstGeom prst="rect">
+            <a:avLst/>
+          </a:prstGeom>
+        </p:spPr>
+        <p:txBody>
+          <a:bodyPr lIns="0" rIns="0" tIns="0" bIns="0" anchor="ctr"/>
+          <a:p>
+            <a:endParaRPr/>
+          </a:p>
+        </p:txBody>
+      </p:sp>
+      <p:sp>
+        <p:nvSpPr>
+          <p:cNvPr id="70" name="PlaceHolder 2"/>
+          <p:cNvSpPr>
+            <a:spLocks noGrp="1"/>
+          </p:cNvSpPr>
+          <p:nvPr>
+            <p:ph type="body"/>
+          </p:nvPr>
+        </p:nvSpPr>
+        <p:spPr>
+          <a:xfrm>
+            <a:off x="504000" y="1800000"/>
+            <a:ext cx="4426920" cy="2091240"/>
+          </a:xfrm>
+          <a:prstGeom prst="rect">
+            <a:avLst/>
+          </a:prstGeom>
+        </p:spPr>
+        <p:txBody>
+          <a:bodyPr lIns="0" rIns="0" tIns="0" bIns="0"/>
+          <a:p>
+            <a:endParaRPr/>
+          </a:p>
+        </p:txBody>
+      </p:sp>
+      <p:sp>
+        <p:nvSpPr>
+          <p:cNvPr id="71" name="PlaceHolder 3"/>
+          <p:cNvSpPr>
+            <a:spLocks noGrp="1"/>
+          </p:cNvSpPr>
+          <p:nvPr>
+            <p:ph type="body"/>
+          </p:nvPr>
+        </p:nvSpPr>
+        <p:spPr>
+          <a:xfrm>
+            <a:off x="5152680" y="1800000"/>
+            <a:ext cx="4426920" cy="2091240"/>
+          </a:xfrm>
+          <a:prstGeom prst="rect">
+            <a:avLst/>
+          </a:prstGeom>
+        </p:spPr>
+        <p:txBody>
+          <a:bodyPr lIns="0" rIns="0" tIns="0" bIns="0"/>
+          <a:p>
+            <a:endParaRPr/>
+          </a:p>
+        </p:txBody>
+      </p:sp>
+      <p:sp>
+        <p:nvSpPr>
+          <p:cNvPr id="72" name="PlaceHolder 4"/>
+          <p:cNvSpPr>
+            <a:spLocks noGrp="1"/>
+          </p:cNvSpPr>
+          <p:nvPr>
+            <p:ph type="body"/>
+          </p:nvPr>
+        </p:nvSpPr>
+        <p:spPr>
+          <a:xfrm>
+            <a:off x="5152680" y="4090320"/>
+            <a:ext cx="4426920" cy="2091240"/>
+          </a:xfrm>
+          <a:prstGeom prst="rect">
+            <a:avLst/>
+          </a:prstGeom>
+        </p:spPr>
+        <p:txBody>
+          <a:bodyPr lIns="0" rIns="0" tIns="0" bIns="0"/>
+          <a:p>
+            <a:endParaRPr/>
+          </a:p>
+        </p:txBody>
+      </p:sp>
+      <p:sp>
+        <p:nvSpPr>
+          <p:cNvPr id="73" name="PlaceHolder 5"/>
+          <p:cNvSpPr>
+            <a:spLocks noGrp="1"/>
+          </p:cNvSpPr>
+          <p:nvPr>
+            <p:ph type="body"/>
+          </p:nvPr>
+        </p:nvSpPr>
+        <p:spPr>
+          <a:xfrm>
+            <a:off x="504000" y="4090320"/>
+            <a:ext cx="4426920" cy="2091240"/>
+          </a:xfrm>
+          <a:prstGeom prst="rect">
+            <a:avLst/>
+          </a:prstGeom>
+        </p:spPr>
+        <p:txBody>
+          <a:bodyPr lIns="0" rIns="0" tIns="0" bIns="0"/>
+          <a:p>
+            <a:endParaRPr/>
+          </a:p>
+        </p:txBody>
+      </p:sp>
+    </p:spTree>
+  </p:cSld>
+</p:sldLayout>
+</file>
+
+<file path=ppt/slideLayouts/slideLayout24.xml><?xml version="1.0" encoding="utf-8"?>
+<p:sldLayout xmlns:a="http://schemas.openxmlformats.org/drawingml/2006/main" xmlns:p="http://schemas.openxmlformats.org/presentationml/2006/main" xmlns:r="http://schemas.openxmlformats.org/officeDocument/2006/relationships" type="blank" preserve="1">
+  <p:cSld name="Title, 6 Content">
+    <p:spTree>
+      <p:nvGrpSpPr>
+        <p:cNvPr id="1" name=""/>
+        <p:cNvGrpSpPr/>
+        <p:nvPr/>
+      </p:nvGrpSpPr>
+      <p:grpSpPr>
+        <a:xfrm>
+          <a:off x="0" y="0"/>
+          <a:ext cx="0" cy="0"/>
+          <a:chOff x="0" y="0"/>
+          <a:chExt cx="0" cy="0"/>
+        </a:xfrm>
+      </p:grpSpPr>
+      <p:sp>
+        <p:nvSpPr>
+          <p:cNvPr id="74" name="PlaceHolder 1"/>
+          <p:cNvSpPr>
+            <a:spLocks noGrp="1"/>
+          </p:cNvSpPr>
+          <p:nvPr>
+            <p:ph type="title"/>
+          </p:nvPr>
+        </p:nvSpPr>
+        <p:spPr>
+          <a:xfrm>
+            <a:off x="504000" y="576000"/>
+            <a:ext cx="7200000" cy="720360"/>
+          </a:xfrm>
+          <a:prstGeom prst="rect">
+            <a:avLst/>
+          </a:prstGeom>
+        </p:spPr>
+        <p:txBody>
+          <a:bodyPr lIns="0" rIns="0" tIns="0" bIns="0" anchor="ctr"/>
+          <a:p>
+            <a:endParaRPr/>
+          </a:p>
+        </p:txBody>
+      </p:sp>
+      <p:sp>
+        <p:nvSpPr>
+          <p:cNvPr id="75" name="PlaceHolder 2"/>
+          <p:cNvSpPr>
+            <a:spLocks noGrp="1"/>
+          </p:cNvSpPr>
+          <p:nvPr>
+            <p:ph type="body"/>
+          </p:nvPr>
+        </p:nvSpPr>
+        <p:spPr>
+          <a:xfrm>
+            <a:off x="504000" y="1800000"/>
+            <a:ext cx="9072000" cy="4384440"/>
+          </a:xfrm>
+          <a:prstGeom prst="rect">
+            <a:avLst/>
+          </a:prstGeom>
+        </p:spPr>
+        <p:txBody>
+          <a:bodyPr lIns="0" rIns="0" tIns="0" bIns="0"/>
+          <a:p>
+            <a:endParaRPr/>
+          </a:p>
+        </p:txBody>
+      </p:sp>
+      <p:sp>
+        <p:nvSpPr>
+          <p:cNvPr id="76" name="PlaceHolder 3"/>
+          <p:cNvSpPr>
+            <a:spLocks noGrp="1"/>
+          </p:cNvSpPr>
+          <p:nvPr>
+            <p:ph type="body"/>
+          </p:nvPr>
+        </p:nvSpPr>
+        <p:spPr>
+          <a:xfrm>
+            <a:off x="504000" y="1800000"/>
+            <a:ext cx="9072000" cy="4384440"/>
+          </a:xfrm>
+          <a:prstGeom prst="rect">
+            <a:avLst/>
+          </a:prstGeom>
+        </p:spPr>
+        <p:txBody>
+          <a:bodyPr lIns="0" rIns="0" tIns="0" bIns="0"/>
+          <a:p>
+            <a:endParaRPr/>
+          </a:p>
+        </p:txBody>
+      </p:sp>
+      <p:pic>
+        <p:nvPicPr>
+          <p:cNvPr id="77" name="" descr=""/>
+          <p:cNvPicPr/>
+          <p:nvPr/>
+        </p:nvPicPr>
+        <p:blipFill>
+          <a:blip r:embed="rId2"/>
+          <a:stretch>
+            <a:fillRect/>
+          </a:stretch>
+        </p:blipFill>
+        <p:spPr>
+          <a:xfrm>
+            <a:off x="2292480" y="1799640"/>
+            <a:ext cx="5495040" cy="4384440"/>
+          </a:xfrm>
+          <a:prstGeom prst="rect">
+            <a:avLst/>
+          </a:prstGeom>
+          <a:ln>
+            <a:noFill/>
+          </a:ln>
+        </p:spPr>
+      </p:pic>
+      <p:pic>
+        <p:nvPicPr>
+          <p:cNvPr id="78" name="" descr=""/>
+          <p:cNvPicPr/>
+          <p:nvPr/>
+        </p:nvPicPr>
+        <p:blipFill>
+          <a:blip r:embed="rId3"/>
+          <a:stretch>
+            <a:fillRect/>
+          </a:stretch>
+        </p:blipFill>
+        <p:spPr>
+          <a:xfrm>
+            <a:off x="2292480" y="1799640"/>
+            <a:ext cx="5495040" cy="4384440"/>
+          </a:xfrm>
+          <a:prstGeom prst="rect">
+            <a:avLst/>
+          </a:prstGeom>
+          <a:ln>
+            <a:noFill/>
+          </a:ln>
+        </p:spPr>
+      </p:pic>
     </p:spTree>
   </p:cSld>
 </p:sldLayout>
@@ -548,8 +1699,8 @@
         </p:nvSpPr>
         <p:spPr>
           <a:xfrm>
-            <a:off x="504000" y="301320"/>
-            <a:ext cx="9071640" cy="1262520"/>
+            <a:off x="504000" y="576000"/>
+            <a:ext cx="7200000" cy="720360"/>
           </a:xfrm>
           <a:prstGeom prst="rect">
             <a:avLst/>
@@ -558,7 +1709,6 @@
         <p:txBody>
           <a:bodyPr lIns="0" rIns="0" tIns="0" bIns="0" anchor="ctr"/>
           <a:p>
-            <a:pPr algn="ctr"/>
             <a:endParaRPr/>
           </a:p>
         </p:txBody>
@@ -575,8 +1725,8 @@
         </p:nvSpPr>
         <p:spPr>
           <a:xfrm>
-            <a:off x="504000" y="1769040"/>
-            <a:ext cx="9071640" cy="4384440"/>
+            <a:off x="504000" y="1800000"/>
+            <a:ext cx="9072000" cy="4384440"/>
           </a:xfrm>
           <a:prstGeom prst="rect">
             <a:avLst/>
@@ -623,8 +1773,8 @@
         </p:nvSpPr>
         <p:spPr>
           <a:xfrm>
-            <a:off x="504000" y="301320"/>
-            <a:ext cx="9071640" cy="1262520"/>
+            <a:off x="504000" y="576000"/>
+            <a:ext cx="7200000" cy="720360"/>
           </a:xfrm>
           <a:prstGeom prst="rect">
             <a:avLst/>
@@ -633,7 +1783,6 @@
         <p:txBody>
           <a:bodyPr lIns="0" rIns="0" tIns="0" bIns="0" anchor="ctr"/>
           <a:p>
-            <a:pPr algn="ctr"/>
             <a:endParaRPr/>
           </a:p>
         </p:txBody>
@@ -650,7 +1799,7 @@
         </p:nvSpPr>
         <p:spPr>
           <a:xfrm>
-            <a:off x="504000" y="1769040"/>
+            <a:off x="504000" y="1800000"/>
             <a:ext cx="4426920" cy="4384440"/>
           </a:xfrm>
           <a:prstGeom prst="rect">
@@ -676,7 +1825,7 @@
         </p:nvSpPr>
         <p:spPr>
           <a:xfrm>
-            <a:off x="5152680" y="1769040"/>
+            <a:off x="5152680" y="1800000"/>
             <a:ext cx="4426920" cy="4384440"/>
           </a:xfrm>
           <a:prstGeom prst="rect">
@@ -724,8 +1873,8 @@
         </p:nvSpPr>
         <p:spPr>
           <a:xfrm>
-            <a:off x="504000" y="301320"/>
-            <a:ext cx="9071640" cy="1262520"/>
+            <a:off x="504000" y="576000"/>
+            <a:ext cx="7200000" cy="720360"/>
           </a:xfrm>
           <a:prstGeom prst="rect">
             <a:avLst/>
@@ -734,7 +1883,6 @@
         <p:txBody>
           <a:bodyPr lIns="0" rIns="0" tIns="0" bIns="0" anchor="ctr"/>
           <a:p>
-            <a:pPr algn="ctr"/>
             <a:endParaRPr/>
           </a:p>
         </p:txBody>
@@ -773,8 +1921,8 @@
         </p:nvSpPr>
         <p:spPr>
           <a:xfrm>
-            <a:off x="504000" y="301320"/>
-            <a:ext cx="9071640" cy="5852160"/>
+            <a:off x="504000" y="576000"/>
+            <a:ext cx="7200000" cy="3339000"/>
           </a:xfrm>
           <a:prstGeom prst="rect">
             <a:avLst/>
@@ -822,8 +1970,8 @@
         </p:nvSpPr>
         <p:spPr>
           <a:xfrm>
-            <a:off x="504000" y="301320"/>
-            <a:ext cx="9071640" cy="1262520"/>
+            <a:off x="504000" y="576000"/>
+            <a:ext cx="7200000" cy="720360"/>
           </a:xfrm>
           <a:prstGeom prst="rect">
             <a:avLst/>
@@ -832,7 +1980,6 @@
         <p:txBody>
           <a:bodyPr lIns="0" rIns="0" tIns="0" bIns="0" anchor="ctr"/>
           <a:p>
-            <a:pPr algn="ctr"/>
             <a:endParaRPr/>
           </a:p>
         </p:txBody>
@@ -849,7 +1996,7 @@
         </p:nvSpPr>
         <p:spPr>
           <a:xfrm>
-            <a:off x="504000" y="1769040"/>
+            <a:off x="504000" y="1800000"/>
             <a:ext cx="4426920" cy="2091240"/>
           </a:xfrm>
           <a:prstGeom prst="rect">
@@ -875,7 +2022,7 @@
         </p:nvSpPr>
         <p:spPr>
           <a:xfrm>
-            <a:off x="504000" y="4059360"/>
+            <a:off x="504000" y="4090320"/>
             <a:ext cx="4426920" cy="2091240"/>
           </a:xfrm>
           <a:prstGeom prst="rect">
@@ -901,7 +2048,7 @@
         </p:nvSpPr>
         <p:spPr>
           <a:xfrm>
-            <a:off x="5152680" y="1769040"/>
+            <a:off x="5152680" y="1800000"/>
             <a:ext cx="4426920" cy="4384440"/>
           </a:xfrm>
           <a:prstGeom prst="rect">
@@ -949,8 +2096,8 @@
         </p:nvSpPr>
         <p:spPr>
           <a:xfrm>
-            <a:off x="504000" y="301320"/>
-            <a:ext cx="9071640" cy="1262520"/>
+            <a:off x="504000" y="576000"/>
+            <a:ext cx="7200000" cy="720360"/>
           </a:xfrm>
           <a:prstGeom prst="rect">
             <a:avLst/>
@@ -959,7 +2106,6 @@
         <p:txBody>
           <a:bodyPr lIns="0" rIns="0" tIns="0" bIns="0" anchor="ctr"/>
           <a:p>
-            <a:pPr algn="ctr"/>
             <a:endParaRPr/>
           </a:p>
         </p:txBody>
@@ -976,7 +2122,7 @@
         </p:nvSpPr>
         <p:spPr>
           <a:xfrm>
-            <a:off x="504000" y="1769040"/>
+            <a:off x="504000" y="1800000"/>
             <a:ext cx="4426920" cy="4384440"/>
           </a:xfrm>
           <a:prstGeom prst="rect">
@@ -1002,7 +2148,7 @@
         </p:nvSpPr>
         <p:spPr>
           <a:xfrm>
-            <a:off x="5152680" y="1769040"/>
+            <a:off x="5152680" y="1800000"/>
             <a:ext cx="4426920" cy="2091240"/>
           </a:xfrm>
           <a:prstGeom prst="rect">
@@ -1028,7 +2174,7 @@
         </p:nvSpPr>
         <p:spPr>
           <a:xfrm>
-            <a:off x="5152680" y="4059360"/>
+            <a:off x="5152680" y="4090320"/>
             <a:ext cx="4426920" cy="2091240"/>
           </a:xfrm>
           <a:prstGeom prst="rect">
@@ -1076,8 +2222,8 @@
         </p:nvSpPr>
         <p:spPr>
           <a:xfrm>
-            <a:off x="504000" y="301320"/>
-            <a:ext cx="9071640" cy="1262520"/>
+            <a:off x="504000" y="576000"/>
+            <a:ext cx="7200000" cy="720360"/>
           </a:xfrm>
           <a:prstGeom prst="rect">
             <a:avLst/>
@@ -1086,7 +2232,6 @@
         <p:txBody>
           <a:bodyPr lIns="0" rIns="0" tIns="0" bIns="0" anchor="ctr"/>
           <a:p>
-            <a:pPr algn="ctr"/>
             <a:endParaRPr/>
           </a:p>
         </p:txBody>
@@ -1103,7 +2248,7 @@
         </p:nvSpPr>
         <p:spPr>
           <a:xfrm>
-            <a:off x="504000" y="1769040"/>
+            <a:off x="504000" y="1800000"/>
             <a:ext cx="4426920" cy="2091240"/>
           </a:xfrm>
           <a:prstGeom prst="rect">
@@ -1129,7 +2274,7 @@
         </p:nvSpPr>
         <p:spPr>
           <a:xfrm>
-            <a:off x="5152680" y="1769040"/>
+            <a:off x="5152680" y="1800000"/>
             <a:ext cx="4426920" cy="2091240"/>
           </a:xfrm>
           <a:prstGeom prst="rect">
@@ -1155,8 +2300,8 @@
         </p:nvSpPr>
         <p:spPr>
           <a:xfrm>
-            <a:off x="504000" y="4059360"/>
-            <a:ext cx="9071640" cy="2091240"/>
+            <a:off x="504000" y="4090320"/>
+            <a:ext cx="9072000" cy="2091240"/>
           </a:xfrm>
           <a:prstGeom prst="rect">
             <a:avLst/>
@@ -1433,7 +2578,7 @@
           <a:bodyPr lIns="0" rIns="0" tIns="0" bIns="0"/>
           <a:p>
             <a:pPr algn="r"/>
-            <a:fld id="{D0D8FA8E-696D-4D39-98C1-D758908B2473}" type="slidenum">
+            <a:fld id="{C79C3557-40E9-4FAF-8C86-111FD6CBDBFB}" type="slidenum">
               <a:rPr lang="en-US" sz="1400">
                 <a:latin typeface="Times New Roman"/>
               </a:rPr>
@@ -1459,6 +2604,319 @@
     <p:sldLayoutId id="2147483658" r:id="rId11"/>
     <p:sldLayoutId id="2147483659" r:id="rId12"/>
     <p:sldLayoutId id="2147483660" r:id="rId13"/>
+  </p:sldLayoutIdLst>
+</p:sldMaster>
+</file>
+
+<file path=ppt/slideMasters/slideMaster2.xml><?xml version="1.0" encoding="utf-8"?>
+<p:sldMaster xmlns:a="http://schemas.openxmlformats.org/drawingml/2006/main" xmlns:p="http://schemas.openxmlformats.org/presentationml/2006/main" xmlns:r="http://schemas.openxmlformats.org/officeDocument/2006/relationships">
+  <p:cSld>
+    <p:spTree>
+      <p:nvGrpSpPr>
+        <p:cNvPr id="1" name=""/>
+        <p:cNvGrpSpPr/>
+        <p:nvPr/>
+      </p:nvGrpSpPr>
+      <p:grpSpPr>
+        <a:xfrm>
+          <a:off x="0" y="0"/>
+          <a:ext cx="0" cy="0"/>
+          <a:chOff x="0" y="0"/>
+          <a:chExt cx="0" cy="0"/>
+        </a:xfrm>
+      </p:grpSpPr>
+      <p:pic>
+        <p:nvPicPr>
+          <p:cNvPr id="39" name="" descr=""/>
+          <p:cNvPicPr/>
+          <p:nvPr/>
+        </p:nvPicPr>
+        <p:blipFill>
+          <a:blip r:embed="rId2"/>
+          <a:stretch>
+            <a:fillRect/>
+          </a:stretch>
+        </p:blipFill>
+        <p:spPr>
+          <a:xfrm>
+            <a:off x="720" y="720"/>
+            <a:ext cx="10079640" cy="7559640"/>
+          </a:xfrm>
+          <a:prstGeom prst="rect">
+            <a:avLst/>
+          </a:prstGeom>
+          <a:ln>
+            <a:noFill/>
+          </a:ln>
+        </p:spPr>
+      </p:pic>
+      <p:sp>
+        <p:nvSpPr>
+          <p:cNvPr id="40" name="PlaceHolder 1"/>
+          <p:cNvSpPr>
+            <a:spLocks noGrp="1"/>
+          </p:cNvSpPr>
+          <p:nvPr>
+            <p:ph type="title"/>
+          </p:nvPr>
+        </p:nvSpPr>
+        <p:spPr>
+          <a:xfrm>
+            <a:off x="504000" y="576000"/>
+            <a:ext cx="7200000" cy="720000"/>
+          </a:xfrm>
+          <a:prstGeom prst="rect">
+            <a:avLst/>
+          </a:prstGeom>
+        </p:spPr>
+        <p:txBody>
+          <a:bodyPr lIns="0" rIns="0" tIns="0" bIns="0" anchor="ctr"/>
+          <a:p>
+            <a:r>
+              <a:rPr lang="en-US" sz="3600">
+                <a:latin typeface="Arial"/>
+              </a:rPr>
+              <a:t>Click to edit the title text format</a:t>
+            </a:r>
+            <a:endParaRPr/>
+          </a:p>
+        </p:txBody>
+      </p:sp>
+      <p:sp>
+        <p:nvSpPr>
+          <p:cNvPr id="41" name="PlaceHolder 2"/>
+          <p:cNvSpPr>
+            <a:spLocks noGrp="1"/>
+          </p:cNvSpPr>
+          <p:nvPr>
+            <p:ph type="body"/>
+          </p:nvPr>
+        </p:nvSpPr>
+        <p:spPr>
+          <a:xfrm>
+            <a:off x="504000" y="1800000"/>
+            <a:ext cx="9072000" cy="4384440"/>
+          </a:xfrm>
+          <a:prstGeom prst="rect">
+            <a:avLst/>
+          </a:prstGeom>
+        </p:spPr>
+        <p:txBody>
+          <a:bodyPr lIns="0" rIns="0" tIns="0" bIns="0"/>
+          <a:p>
+            <a:pPr>
+              <a:buSzPct val="45000"/>
+              <a:buFont typeface="StarSymbol"/>
+              <a:buChar char=""/>
+            </a:pPr>
+            <a:r>
+              <a:rPr lang="en-US" sz="2600">
+                <a:latin typeface="Arial"/>
+              </a:rPr>
+              <a:t>Click to edit the outline text format</a:t>
+            </a:r>
+            <a:endParaRPr/>
+          </a:p>
+          <a:p>
+            <a:pPr lvl="1">
+              <a:buSzPct val="75000"/>
+              <a:buFont typeface="StarSymbol"/>
+              <a:buChar char=""/>
+            </a:pPr>
+            <a:r>
+              <a:rPr lang="en-US" sz="2600">
+                <a:latin typeface="Arial"/>
+              </a:rPr>
+              <a:t>Second Outline Level</a:t>
+            </a:r>
+            <a:endParaRPr/>
+          </a:p>
+          <a:p>
+            <a:pPr lvl="2">
+              <a:buSzPct val="45000"/>
+              <a:buFont typeface="StarSymbol"/>
+              <a:buChar char=""/>
+            </a:pPr>
+            <a:r>
+              <a:rPr lang="en-US" sz="2600">
+                <a:latin typeface="Arial"/>
+              </a:rPr>
+              <a:t>Third Outline Level</a:t>
+            </a:r>
+            <a:endParaRPr/>
+          </a:p>
+          <a:p>
+            <a:pPr lvl="3">
+              <a:buSzPct val="75000"/>
+              <a:buFont typeface="StarSymbol"/>
+              <a:buChar char=""/>
+            </a:pPr>
+            <a:r>
+              <a:rPr lang="en-US" sz="2600">
+                <a:latin typeface="Arial"/>
+              </a:rPr>
+              <a:t>Fourth Outline Level</a:t>
+            </a:r>
+            <a:endParaRPr/>
+          </a:p>
+          <a:p>
+            <a:pPr lvl="4">
+              <a:buSzPct val="45000"/>
+              <a:buFont typeface="StarSymbol"/>
+              <a:buChar char=""/>
+            </a:pPr>
+            <a:r>
+              <a:rPr lang="en-US" sz="2600">
+                <a:latin typeface="Arial"/>
+              </a:rPr>
+              <a:t>Fifth Outline Level</a:t>
+            </a:r>
+            <a:endParaRPr/>
+          </a:p>
+          <a:p>
+            <a:pPr lvl="5">
+              <a:buSzPct val="45000"/>
+              <a:buFont typeface="StarSymbol"/>
+              <a:buChar char=""/>
+            </a:pPr>
+            <a:r>
+              <a:rPr lang="en-US" sz="2600">
+                <a:latin typeface="Arial"/>
+              </a:rPr>
+              <a:t>Sixth Outline Level</a:t>
+            </a:r>
+            <a:endParaRPr/>
+          </a:p>
+          <a:p>
+            <a:pPr lvl="6">
+              <a:buSzPct val="45000"/>
+              <a:buFont typeface="StarSymbol"/>
+              <a:buChar char=""/>
+            </a:pPr>
+            <a:r>
+              <a:rPr lang="en-US" sz="2600">
+                <a:latin typeface="Arial"/>
+              </a:rPr>
+              <a:t>Seventh Outline Level</a:t>
+            </a:r>
+            <a:endParaRPr/>
+          </a:p>
+        </p:txBody>
+      </p:sp>
+      <p:sp>
+        <p:nvSpPr>
+          <p:cNvPr id="42" name="PlaceHolder 3"/>
+          <p:cNvSpPr>
+            <a:spLocks noGrp="1"/>
+          </p:cNvSpPr>
+          <p:nvPr>
+            <p:ph type="dt"/>
+          </p:nvPr>
+        </p:nvSpPr>
+        <p:spPr>
+          <a:xfrm>
+            <a:off x="504000" y="6887160"/>
+            <a:ext cx="2348280" cy="521280"/>
+          </a:xfrm>
+          <a:prstGeom prst="rect">
+            <a:avLst/>
+          </a:prstGeom>
+        </p:spPr>
+        <p:txBody>
+          <a:bodyPr lIns="0" rIns="0" tIns="0" bIns="0"/>
+          <a:p>
+            <a:r>
+              <a:rPr lang="en-US" sz="1400">
+                <a:latin typeface="Times New Roman"/>
+              </a:rPr>
+              <a:t>&lt;date/time&gt;</a:t>
+            </a:r>
+            <a:endParaRPr/>
+          </a:p>
+        </p:txBody>
+      </p:sp>
+      <p:sp>
+        <p:nvSpPr>
+          <p:cNvPr id="43" name="PlaceHolder 4"/>
+          <p:cNvSpPr>
+            <a:spLocks noGrp="1"/>
+          </p:cNvSpPr>
+          <p:nvPr>
+            <p:ph type="ftr"/>
+          </p:nvPr>
+        </p:nvSpPr>
+        <p:spPr>
+          <a:xfrm>
+            <a:off x="3447360" y="6887160"/>
+            <a:ext cx="3195000" cy="521280"/>
+          </a:xfrm>
+          <a:prstGeom prst="rect">
+            <a:avLst/>
+          </a:prstGeom>
+        </p:spPr>
+        <p:txBody>
+          <a:bodyPr lIns="0" rIns="0" tIns="0" bIns="0"/>
+          <a:p>
+            <a:pPr algn="ctr"/>
+            <a:r>
+              <a:rPr lang="en-US" sz="1400">
+                <a:latin typeface="Times New Roman"/>
+              </a:rPr>
+              <a:t>&lt;footer&gt;</a:t>
+            </a:r>
+            <a:endParaRPr/>
+          </a:p>
+        </p:txBody>
+      </p:sp>
+      <p:sp>
+        <p:nvSpPr>
+          <p:cNvPr id="44" name="PlaceHolder 5"/>
+          <p:cNvSpPr>
+            <a:spLocks noGrp="1"/>
+          </p:cNvSpPr>
+          <p:nvPr>
+            <p:ph type="sldNum"/>
+          </p:nvPr>
+        </p:nvSpPr>
+        <p:spPr>
+          <a:xfrm>
+            <a:off x="7227000" y="6887160"/>
+            <a:ext cx="2348280" cy="521280"/>
+          </a:xfrm>
+          <a:prstGeom prst="rect">
+            <a:avLst/>
+          </a:prstGeom>
+        </p:spPr>
+        <p:txBody>
+          <a:bodyPr lIns="0" rIns="0" tIns="0" bIns="0"/>
+          <a:p>
+            <a:pPr algn="r"/>
+            <a:fld id="{86E07952-B05C-45CF-8F6B-186C18561BE1}" type="slidenum">
+              <a:rPr lang="en-US" sz="1400">
+                <a:latin typeface="Times New Roman"/>
+              </a:rPr>
+              <a:t>&lt;number&gt;</a:t>
+            </a:fld>
+            <a:endParaRPr/>
+          </a:p>
+        </p:txBody>
+      </p:sp>
+    </p:spTree>
+  </p:cSld>
+  <p:clrMap bg1="lt1" bg2="lt2" tx1="dk1" tx2="dk2" accent1="accent1" accent2="accent2" accent3="accent3" accent4="accent4" accent5="accent5" accent6="accent6" hlink="hlink" folHlink="folHlink"/>
+  <p:sldLayoutIdLst>
+    <p:sldLayoutId id="2147483662" r:id="rId3"/>
+    <p:sldLayoutId id="2147483663" r:id="rId4"/>
+    <p:sldLayoutId id="2147483664" r:id="rId5"/>
+    <p:sldLayoutId id="2147483665" r:id="rId6"/>
+    <p:sldLayoutId id="2147483666" r:id="rId7"/>
+    <p:sldLayoutId id="2147483667" r:id="rId8"/>
+    <p:sldLayoutId id="2147483668" r:id="rId9"/>
+    <p:sldLayoutId id="2147483669" r:id="rId10"/>
+    <p:sldLayoutId id="2147483670" r:id="rId11"/>
+    <p:sldLayoutId id="2147483671" r:id="rId12"/>
+    <p:sldLayoutId id="2147483672" r:id="rId13"/>
+    <p:sldLayoutId id="2147483673" r:id="rId14"/>
   </p:sldLayoutIdLst>
 </p:sldMaster>
 </file>
@@ -1482,14 +2940,14 @@
       </p:grpSpPr>
       <p:sp>
         <p:nvSpPr>
-          <p:cNvPr id="39" name="TextShape 1"/>
+          <p:cNvPr id="79" name="TextShape 1"/>
           <p:cNvSpPr txBox="1"/>
           <p:nvPr/>
         </p:nvSpPr>
         <p:spPr>
           <a:xfrm>
-            <a:off x="504000" y="301320"/>
-            <a:ext cx="9071640" cy="1262160"/>
+            <a:off x="504000" y="576000"/>
+            <a:ext cx="7200000" cy="720000"/>
           </a:xfrm>
           <a:prstGeom prst="rect">
             <a:avLst/>
@@ -1498,15 +2956,14 @@
         <p:txBody>
           <a:bodyPr lIns="0" rIns="0" tIns="0" bIns="0" anchor="ctr"/>
           <a:p>
-            <a:pPr algn="ctr"/>
-            <a:r>
-              <a:rPr lang="en-US" sz="4400">
+            <a:r>
+              <a:rPr lang="en-US" sz="3600">
                 <a:latin typeface="Arial"/>
               </a:rPr>
               <a:t>c++deep022_</a:t>
             </a:r>
             <a:r>
-              <a:rPr lang="en-US" sz="4400">
+              <a:rPr lang="en-US" sz="3600">
                 <a:latin typeface="Arial"/>
               </a:rPr>
               <a:t>多态与虚函数</a:t>
@@ -1517,14 +2974,14 @@
       </p:sp>
       <p:sp>
         <p:nvSpPr>
-          <p:cNvPr id="40" name="TextShape 2"/>
+          <p:cNvPr id="80" name="TextShape 2"/>
           <p:cNvSpPr txBox="1"/>
           <p:nvPr/>
         </p:nvSpPr>
         <p:spPr>
           <a:xfrm>
-            <a:off x="504000" y="1769040"/>
-            <a:ext cx="9071640" cy="4384440"/>
+            <a:off x="504000" y="1800000"/>
+            <a:ext cx="9072000" cy="4384440"/>
           </a:xfrm>
           <a:prstGeom prst="rect">
             <a:avLst/>
@@ -1547,6 +3004,288 @@
           <p:childTnLst>
             <p:seq>
               <p:cTn id="2" nodeType="mainSeq"/>
+              <p:prevCondLst>
+                <p:cond delay="0" evt="onPrev">
+                  <p:tgtEl>
+                    <p:sldTgt/>
+                  </p:tgtEl>
+                </p:cond>
+              </p:prevCondLst>
+              <p:nextCondLst>
+                <p:cond delay="0" evt="onNext">
+                  <p:tgtEl>
+                    <p:sldTgt/>
+                  </p:tgtEl>
+                </p:cond>
+              </p:nextCondLst>
+            </p:seq>
+          </p:childTnLst>
+        </p:cTn>
+      </p:par>
+    </p:tnLst>
+  </p:timing>
+</p:sld>
+</file>
+
+<file path=ppt/slides/slide10.xml><?xml version="1.0" encoding="utf-8"?>
+<p:sld xmlns:a="http://schemas.openxmlformats.org/drawingml/2006/main" xmlns:p="http://schemas.openxmlformats.org/presentationml/2006/main" xmlns:r="http://schemas.openxmlformats.org/officeDocument/2006/relationships">
+  <p:cSld>
+    <p:spTree>
+      <p:nvGrpSpPr>
+        <p:cNvPr id="1" name=""/>
+        <p:cNvGrpSpPr/>
+        <p:nvPr/>
+      </p:nvGrpSpPr>
+      <p:grpSpPr>
+        <a:xfrm>
+          <a:off x="0" y="0"/>
+          <a:ext cx="0" cy="0"/>
+          <a:chOff x="0" y="0"/>
+          <a:chExt cx="0" cy="0"/>
+        </a:xfrm>
+      </p:grpSpPr>
+      <p:sp>
+        <p:nvSpPr>
+          <p:cNvPr id="99" name="TextShape 1"/>
+          <p:cNvSpPr txBox="1"/>
+          <p:nvPr/>
+        </p:nvSpPr>
+        <p:spPr>
+          <a:xfrm>
+            <a:off x="504000" y="576000"/>
+            <a:ext cx="7200000" cy="720000"/>
+          </a:xfrm>
+          <a:prstGeom prst="rect">
+            <a:avLst/>
+          </a:prstGeom>
+        </p:spPr>
+        <p:txBody>
+          <a:bodyPr lIns="0" rIns="0" tIns="0" bIns="0" anchor="ctr"/>
+          <a:p>
+            <a:r>
+              <a:rPr lang="en-US" sz="3600">
+                <a:latin typeface="Arial"/>
+              </a:rPr>
+              <a:t>＃</a:t>
+            </a:r>
+            <a:r>
+              <a:rPr lang="en-US" sz="3600">
+                <a:latin typeface="Arial"/>
+              </a:rPr>
+              <a:t>09 </a:t>
+            </a:r>
+            <a:r>
+              <a:rPr lang="en-US" sz="3600">
+                <a:latin typeface="Arial"/>
+              </a:rPr>
+              <a:t>多态实现的关键</a:t>
+            </a:r>
+            <a:r>
+              <a:rPr lang="en-US" sz="3600">
+                <a:latin typeface="Arial"/>
+              </a:rPr>
+              <a:t>--</a:t>
+            </a:r>
+            <a:r>
+              <a:rPr lang="en-US" sz="3600">
+                <a:latin typeface="Arial"/>
+              </a:rPr>
+              <a:t>虚函数表</a:t>
+            </a:r>
+            <a:endParaRPr/>
+          </a:p>
+        </p:txBody>
+      </p:sp>
+      <p:sp>
+        <p:nvSpPr>
+          <p:cNvPr id="100" name="TextShape 2"/>
+          <p:cNvSpPr txBox="1"/>
+          <p:nvPr/>
+        </p:nvSpPr>
+        <p:spPr>
+          <a:xfrm>
+            <a:off x="504000" y="1800000"/>
+            <a:ext cx="9072000" cy="4384440"/>
+          </a:xfrm>
+          <a:prstGeom prst="rect">
+            <a:avLst/>
+          </a:prstGeom>
+        </p:spPr>
+        <p:txBody>
+          <a:bodyPr lIns="0" rIns="0" tIns="0" bIns="0"/>
+          <a:p>
+            <a:endParaRPr/>
+          </a:p>
+        </p:txBody>
+      </p:sp>
+      <p:pic>
+        <p:nvPicPr>
+          <p:cNvPr id="101" name="" descr=""/>
+          <p:cNvPicPr/>
+          <p:nvPr/>
+        </p:nvPicPr>
+        <p:blipFill>
+          <a:blip r:embed="rId1"/>
+          <a:stretch>
+            <a:fillRect/>
+          </a:stretch>
+        </p:blipFill>
+        <p:spPr>
+          <a:xfrm>
+            <a:off x="914400" y="1846440"/>
+            <a:ext cx="6590880" cy="2999880"/>
+          </a:xfrm>
+          <a:prstGeom prst="rect">
+            <a:avLst/>
+          </a:prstGeom>
+          <a:ln>
+            <a:noFill/>
+          </a:ln>
+        </p:spPr>
+      </p:pic>
+    </p:spTree>
+  </p:cSld>
+  <p:timing>
+    <p:tnLst>
+      <p:par>
+        <p:cTn id="19" dur="indefinite" restart="never" nodeType="tmRoot">
+          <p:childTnLst>
+            <p:seq>
+              <p:cTn id="20" nodeType="mainSeq"/>
+              <p:prevCondLst>
+                <p:cond delay="0" evt="onPrev">
+                  <p:tgtEl>
+                    <p:sldTgt/>
+                  </p:tgtEl>
+                </p:cond>
+              </p:prevCondLst>
+              <p:nextCondLst>
+                <p:cond delay="0" evt="onNext">
+                  <p:tgtEl>
+                    <p:sldTgt/>
+                  </p:tgtEl>
+                </p:cond>
+              </p:nextCondLst>
+            </p:seq>
+          </p:childTnLst>
+        </p:cTn>
+      </p:par>
+    </p:tnLst>
+  </p:timing>
+</p:sld>
+</file>
+
+<file path=ppt/slides/slide11.xml><?xml version="1.0" encoding="utf-8"?>
+<p:sld xmlns:a="http://schemas.openxmlformats.org/drawingml/2006/main" xmlns:p="http://schemas.openxmlformats.org/presentationml/2006/main" xmlns:r="http://schemas.openxmlformats.org/officeDocument/2006/relationships">
+  <p:cSld>
+    <p:spTree>
+      <p:nvGrpSpPr>
+        <p:cNvPr id="1" name=""/>
+        <p:cNvGrpSpPr/>
+        <p:nvPr/>
+      </p:nvGrpSpPr>
+      <p:grpSpPr>
+        <a:xfrm>
+          <a:off x="0" y="0"/>
+          <a:ext cx="0" cy="0"/>
+          <a:chOff x="0" y="0"/>
+          <a:chExt cx="0" cy="0"/>
+        </a:xfrm>
+      </p:grpSpPr>
+      <p:sp>
+        <p:nvSpPr>
+          <p:cNvPr id="102" name="TextShape 1"/>
+          <p:cNvSpPr txBox="1"/>
+          <p:nvPr/>
+        </p:nvSpPr>
+        <p:spPr>
+          <a:xfrm>
+            <a:off x="504000" y="576000"/>
+            <a:ext cx="7200000" cy="720000"/>
+          </a:xfrm>
+          <a:prstGeom prst="rect">
+            <a:avLst/>
+          </a:prstGeom>
+        </p:spPr>
+        <p:txBody>
+          <a:bodyPr lIns="0" rIns="0" tIns="0" bIns="0" anchor="ctr"/>
+          <a:p>
+            <a:r>
+              <a:rPr lang="en-US" sz="3600">
+                <a:latin typeface="Arial"/>
+              </a:rPr>
+              <a:t>＃</a:t>
+            </a:r>
+            <a:r>
+              <a:rPr lang="en-US" sz="3600">
+                <a:latin typeface="Arial"/>
+              </a:rPr>
+              <a:t>09 </a:t>
+            </a:r>
+            <a:r>
+              <a:rPr lang="en-US" sz="3600">
+                <a:latin typeface="Arial"/>
+              </a:rPr>
+              <a:t>多态实现的关键</a:t>
+            </a:r>
+            <a:r>
+              <a:rPr lang="en-US" sz="3600">
+                <a:latin typeface="Arial"/>
+              </a:rPr>
+              <a:t>--</a:t>
+            </a:r>
+            <a:r>
+              <a:rPr lang="en-US" sz="3600">
+                <a:latin typeface="Arial"/>
+              </a:rPr>
+              <a:t>虚函数表</a:t>
+            </a:r>
+            <a:endParaRPr/>
+          </a:p>
+        </p:txBody>
+      </p:sp>
+      <p:sp>
+        <p:nvSpPr>
+          <p:cNvPr id="103" name="TextShape 2"/>
+          <p:cNvSpPr txBox="1"/>
+          <p:nvPr/>
+        </p:nvSpPr>
+        <p:spPr>
+          <a:xfrm>
+            <a:off x="504000" y="1800000"/>
+            <a:ext cx="9072000" cy="4384440"/>
+          </a:xfrm>
+          <a:prstGeom prst="rect">
+            <a:avLst/>
+          </a:prstGeom>
+        </p:spPr>
+        <p:txBody>
+          <a:bodyPr lIns="0" rIns="0" tIns="0" bIns="0"/>
+          <a:p>
+            <a:pPr>
+              <a:buSzPct val="45000"/>
+              <a:buFont typeface="StarSymbol"/>
+              <a:buChar char=""/>
+            </a:pPr>
+            <a:r>
+              <a:rPr lang="en-US" sz="2000">
+                <a:latin typeface="Arial"/>
+              </a:rPr>
+              <a:t>多态的函数调用语句被编译成一系列根据基类指针所指向的（或基类引用所引用的）对象中存放的虚函数表的地址，在虚函数表中查找虚函数地址，并调用虚函数的指令。</a:t>
+            </a:r>
+            <a:endParaRPr/>
+          </a:p>
+        </p:txBody>
+      </p:sp>
+    </p:spTree>
+  </p:cSld>
+  <p:timing>
+    <p:tnLst>
+      <p:par>
+        <p:cTn id="21" dur="indefinite" restart="never" nodeType="tmRoot">
+          <p:childTnLst>
+            <p:seq>
+              <p:cTn id="22" nodeType="mainSeq"/>
               <p:prevCondLst>
                 <p:cond delay="0" evt="onPrev">
                   <p:tgtEl>
@@ -1589,14 +3328,14 @@
       </p:grpSpPr>
       <p:sp>
         <p:nvSpPr>
-          <p:cNvPr id="41" name="TextShape 1"/>
+          <p:cNvPr id="81" name="TextShape 1"/>
           <p:cNvSpPr txBox="1"/>
           <p:nvPr/>
         </p:nvSpPr>
         <p:spPr>
           <a:xfrm>
-            <a:off x="504000" y="301320"/>
-            <a:ext cx="9071640" cy="1262160"/>
+            <a:off x="504000" y="576000"/>
+            <a:ext cx="7200000" cy="720000"/>
           </a:xfrm>
           <a:prstGeom prst="rect">
             <a:avLst/>
@@ -1605,15 +3344,14 @@
         <p:txBody>
           <a:bodyPr lIns="0" rIns="0" tIns="0" bIns="0" anchor="ctr"/>
           <a:p>
-            <a:pPr algn="ctr"/>
-            <a:r>
-              <a:rPr lang="en-US" sz="4400">
+            <a:r>
+              <a:rPr lang="en-US" sz="3600">
                 <a:latin typeface="Arial"/>
               </a:rPr>
               <a:t>#01 </a:t>
             </a:r>
             <a:r>
-              <a:rPr lang="en-US" sz="4400">
+              <a:rPr lang="en-US" sz="3600">
                 <a:latin typeface="Arial"/>
               </a:rPr>
               <a:t>虚函数</a:t>
@@ -1624,14 +3362,14 @@
       </p:sp>
       <p:sp>
         <p:nvSpPr>
-          <p:cNvPr id="42" name="TextShape 2"/>
+          <p:cNvPr id="82" name="TextShape 2"/>
           <p:cNvSpPr txBox="1"/>
           <p:nvPr/>
         </p:nvSpPr>
         <p:spPr>
           <a:xfrm>
-            <a:off x="504000" y="1769040"/>
-            <a:ext cx="9071640" cy="4384440"/>
+            <a:off x="504000" y="1800000"/>
+            <a:ext cx="9072000" cy="4384440"/>
           </a:xfrm>
           <a:prstGeom prst="rect">
             <a:avLst/>
@@ -1738,14 +3476,14 @@
       </p:grpSpPr>
       <p:sp>
         <p:nvSpPr>
-          <p:cNvPr id="43" name="TextShape 1"/>
+          <p:cNvPr id="83" name="TextShape 1"/>
           <p:cNvSpPr txBox="1"/>
           <p:nvPr/>
         </p:nvSpPr>
         <p:spPr>
           <a:xfrm>
-            <a:off x="504000" y="301320"/>
-            <a:ext cx="9071640" cy="1262160"/>
+            <a:off x="504000" y="576000"/>
+            <a:ext cx="7200000" cy="720000"/>
           </a:xfrm>
           <a:prstGeom prst="rect">
             <a:avLst/>
@@ -1754,15 +3492,14 @@
         <p:txBody>
           <a:bodyPr lIns="0" rIns="0" tIns="0" bIns="0" anchor="ctr"/>
           <a:p>
-            <a:pPr algn="ctr"/>
-            <a:r>
-              <a:rPr lang="en-US" sz="4400">
+            <a:r>
+              <a:rPr lang="en-US" sz="3600">
                 <a:latin typeface="Arial"/>
               </a:rPr>
               <a:t>#02 </a:t>
             </a:r>
             <a:r>
-              <a:rPr lang="en-US" sz="4400">
+              <a:rPr lang="en-US" sz="3600">
                 <a:latin typeface="Arial"/>
               </a:rPr>
               <a:t>多态的表现形式一</a:t>
@@ -1773,14 +3510,14 @@
       </p:sp>
       <p:sp>
         <p:nvSpPr>
-          <p:cNvPr id="44" name="TextShape 2"/>
+          <p:cNvPr id="84" name="TextShape 2"/>
           <p:cNvSpPr txBox="1"/>
           <p:nvPr/>
         </p:nvSpPr>
         <p:spPr>
           <a:xfrm>
-            <a:off x="504000" y="1769040"/>
-            <a:ext cx="9071640" cy="4384440"/>
+            <a:off x="504000" y="1800000"/>
+            <a:ext cx="9072000" cy="4384440"/>
           </a:xfrm>
           <a:prstGeom prst="rect">
             <a:avLst/>
@@ -1950,14 +3687,14 @@
       </p:grpSpPr>
       <p:sp>
         <p:nvSpPr>
-          <p:cNvPr id="45" name="TextShape 1"/>
+          <p:cNvPr id="85" name="TextShape 1"/>
           <p:cNvSpPr txBox="1"/>
           <p:nvPr/>
         </p:nvSpPr>
         <p:spPr>
           <a:xfrm>
-            <a:off x="504000" y="301320"/>
-            <a:ext cx="9071640" cy="1262160"/>
+            <a:off x="504000" y="576000"/>
+            <a:ext cx="7200000" cy="720000"/>
           </a:xfrm>
           <a:prstGeom prst="rect">
             <a:avLst/>
@@ -1966,15 +3703,14 @@
         <p:txBody>
           <a:bodyPr lIns="0" rIns="0" tIns="0" bIns="0" anchor="ctr"/>
           <a:p>
-            <a:pPr algn="ctr"/>
-            <a:r>
-              <a:rPr lang="en-US" sz="4400">
+            <a:r>
+              <a:rPr lang="en-US" sz="3600">
                 <a:latin typeface="Arial"/>
               </a:rPr>
               <a:t>#03 </a:t>
             </a:r>
             <a:r>
-              <a:rPr lang="en-US" sz="4400">
+              <a:rPr lang="en-US" sz="3600">
                 <a:latin typeface="Arial"/>
               </a:rPr>
               <a:t>多态的表现形式二</a:t>
@@ -1985,14 +3721,14 @@
       </p:sp>
       <p:sp>
         <p:nvSpPr>
-          <p:cNvPr id="46" name="TextShape 2"/>
+          <p:cNvPr id="86" name="TextShape 2"/>
           <p:cNvSpPr txBox="1"/>
           <p:nvPr/>
         </p:nvSpPr>
         <p:spPr>
           <a:xfrm>
-            <a:off x="504000" y="1769040"/>
-            <a:ext cx="9071640" cy="4384440"/>
+            <a:off x="504000" y="1800000"/>
+            <a:ext cx="9072000" cy="4384440"/>
           </a:xfrm>
           <a:prstGeom prst="rect">
             <a:avLst/>
@@ -2162,14 +3898,14 @@
       </p:grpSpPr>
       <p:sp>
         <p:nvSpPr>
-          <p:cNvPr id="47" name="TextShape 1"/>
+          <p:cNvPr id="87" name="TextShape 1"/>
           <p:cNvSpPr txBox="1"/>
           <p:nvPr/>
         </p:nvSpPr>
         <p:spPr>
           <a:xfrm>
-            <a:off x="504000" y="301320"/>
-            <a:ext cx="9071640" cy="1262160"/>
+            <a:off x="504000" y="576000"/>
+            <a:ext cx="7200000" cy="720000"/>
           </a:xfrm>
           <a:prstGeom prst="rect">
             <a:avLst/>
@@ -2178,15 +3914,14 @@
         <p:txBody>
           <a:bodyPr lIns="0" rIns="0" tIns="0" bIns="0" anchor="ctr"/>
           <a:p>
-            <a:pPr algn="ctr"/>
-            <a:r>
-              <a:rPr lang="en-US" sz="4400">
+            <a:r>
+              <a:rPr lang="en-US" sz="3600">
                 <a:latin typeface="Arial"/>
               </a:rPr>
               <a:t>#04 </a:t>
             </a:r>
             <a:r>
-              <a:rPr lang="en-US" sz="4400">
+              <a:rPr lang="en-US" sz="3600">
                 <a:latin typeface="Arial"/>
               </a:rPr>
               <a:t>多态的作用</a:t>
@@ -2197,14 +3932,14 @@
       </p:sp>
       <p:sp>
         <p:nvSpPr>
-          <p:cNvPr id="48" name="TextShape 2"/>
+          <p:cNvPr id="88" name="TextShape 2"/>
           <p:cNvSpPr txBox="1"/>
           <p:nvPr/>
         </p:nvSpPr>
         <p:spPr>
           <a:xfrm>
-            <a:off x="504000" y="1769040"/>
-            <a:ext cx="9071640" cy="4384440"/>
+            <a:off x="504000" y="1800000"/>
+            <a:ext cx="9072000" cy="4384440"/>
           </a:xfrm>
           <a:prstGeom prst="rect">
             <a:avLst/>
@@ -2237,6 +3972,633 @@
           <p:childTnLst>
             <p:seq>
               <p:cTn id="10" nodeType="mainSeq"/>
+              <p:prevCondLst>
+                <p:cond delay="0" evt="onPrev">
+                  <p:tgtEl>
+                    <p:sldTgt/>
+                  </p:tgtEl>
+                </p:cond>
+              </p:prevCondLst>
+              <p:nextCondLst>
+                <p:cond delay="0" evt="onNext">
+                  <p:tgtEl>
+                    <p:sldTgt/>
+                  </p:tgtEl>
+                </p:cond>
+              </p:nextCondLst>
+            </p:seq>
+          </p:childTnLst>
+        </p:cTn>
+      </p:par>
+    </p:tnLst>
+  </p:timing>
+</p:sld>
+</file>
+
+<file path=ppt/slides/slide6.xml><?xml version="1.0" encoding="utf-8"?>
+<p:sld xmlns:a="http://schemas.openxmlformats.org/drawingml/2006/main" xmlns:p="http://schemas.openxmlformats.org/presentationml/2006/main" xmlns:r="http://schemas.openxmlformats.org/officeDocument/2006/relationships">
+  <p:cSld>
+    <p:spTree>
+      <p:nvGrpSpPr>
+        <p:cNvPr id="1" name=""/>
+        <p:cNvGrpSpPr/>
+        <p:nvPr/>
+      </p:nvGrpSpPr>
+      <p:grpSpPr>
+        <a:xfrm>
+          <a:off x="0" y="0"/>
+          <a:ext cx="0" cy="0"/>
+          <a:chOff x="0" y="0"/>
+          <a:chExt cx="0" cy="0"/>
+        </a:xfrm>
+      </p:grpSpPr>
+      <p:sp>
+        <p:nvSpPr>
+          <p:cNvPr id="89" name="TextShape 1"/>
+          <p:cNvSpPr txBox="1"/>
+          <p:nvPr/>
+        </p:nvSpPr>
+        <p:spPr>
+          <a:xfrm>
+            <a:off x="504000" y="301680"/>
+            <a:ext cx="9071640" cy="1262160"/>
+          </a:xfrm>
+          <a:prstGeom prst="rect">
+            <a:avLst/>
+          </a:prstGeom>
+        </p:spPr>
+        <p:txBody>
+          <a:bodyPr lIns="0" rIns="0" tIns="0" bIns="0" anchor="ctr"/>
+          <a:p>
+            <a:r>
+              <a:rPr lang="en-US" sz="3600">
+                <a:latin typeface="Arial"/>
+              </a:rPr>
+              <a:t>#05 </a:t>
+            </a:r>
+            <a:r>
+              <a:rPr lang="en-US" sz="3600">
+                <a:latin typeface="Arial"/>
+              </a:rPr>
+              <a:t>所有函数调用虚函数都是多态吗？</a:t>
+            </a:r>
+            <a:endParaRPr/>
+          </a:p>
+        </p:txBody>
+      </p:sp>
+      <p:sp>
+        <p:nvSpPr>
+          <p:cNvPr id="90" name="TextShape 2"/>
+          <p:cNvSpPr txBox="1"/>
+          <p:nvPr/>
+        </p:nvSpPr>
+        <p:spPr>
+          <a:xfrm>
+            <a:off x="504000" y="1800000"/>
+            <a:ext cx="9072000" cy="4384440"/>
+          </a:xfrm>
+          <a:prstGeom prst="rect">
+            <a:avLst/>
+          </a:prstGeom>
+        </p:spPr>
+        <p:txBody>
+          <a:bodyPr lIns="0" rIns="0" tIns="0" bIns="0"/>
+          <a:p>
+            <a:pPr>
+              <a:buSzPct val="45000"/>
+              <a:buFont typeface="StarSymbol"/>
+              <a:buChar char=""/>
+            </a:pPr>
+            <a:r>
+              <a:rPr lang="en-US" sz="2600">
+                <a:latin typeface="Arial"/>
+              </a:rPr>
+              <a:t>不是！</a:t>
+            </a:r>
+            <a:endParaRPr/>
+          </a:p>
+          <a:p>
+            <a:pPr lvl="1">
+              <a:buSzPct val="75000"/>
+              <a:buFont typeface="StarSymbol"/>
+              <a:buChar char=""/>
+            </a:pPr>
+            <a:r>
+              <a:rPr lang="en-US" sz="2200">
+                <a:latin typeface="Arial"/>
+              </a:rPr>
+              <a:t>在非构造函数，非析构函数的成员函数中调用虚函数，是多态．</a:t>
+            </a:r>
+            <a:endParaRPr/>
+          </a:p>
+          <a:p>
+            <a:pPr lvl="1">
+              <a:buSzPct val="75000"/>
+              <a:buFont typeface="StarSymbol"/>
+              <a:buChar char=""/>
+            </a:pPr>
+            <a:r>
+              <a:rPr lang="en-US" sz="2200">
+                <a:latin typeface="Arial"/>
+              </a:rPr>
+              <a:t>在构造函数和析构函数中调用虚函数，不是多态。编译时即可确定，调用的函数是自己的类或基类中定义的函数，不会等到运行时才决定调用自己的还是派生类的函数．</a:t>
+            </a:r>
+            <a:endParaRPr/>
+          </a:p>
+        </p:txBody>
+      </p:sp>
+    </p:spTree>
+  </p:cSld>
+  <p:timing>
+    <p:tnLst>
+      <p:par>
+        <p:cTn id="11" dur="indefinite" restart="never" nodeType="tmRoot">
+          <p:childTnLst>
+            <p:seq>
+              <p:cTn id="12" nodeType="mainSeq"/>
+              <p:prevCondLst>
+                <p:cond delay="0" evt="onPrev">
+                  <p:tgtEl>
+                    <p:sldTgt/>
+                  </p:tgtEl>
+                </p:cond>
+              </p:prevCondLst>
+              <p:nextCondLst>
+                <p:cond delay="0" evt="onNext">
+                  <p:tgtEl>
+                    <p:sldTgt/>
+                  </p:tgtEl>
+                </p:cond>
+              </p:nextCondLst>
+            </p:seq>
+          </p:childTnLst>
+        </p:cTn>
+      </p:par>
+    </p:tnLst>
+  </p:timing>
+</p:sld>
+</file>
+
+<file path=ppt/slides/slide7.xml><?xml version="1.0" encoding="utf-8"?>
+<p:sld xmlns:a="http://schemas.openxmlformats.org/drawingml/2006/main" xmlns:p="http://schemas.openxmlformats.org/presentationml/2006/main" xmlns:r="http://schemas.openxmlformats.org/officeDocument/2006/relationships">
+  <p:cSld>
+    <p:spTree>
+      <p:nvGrpSpPr>
+        <p:cNvPr id="1" name=""/>
+        <p:cNvGrpSpPr/>
+        <p:nvPr/>
+      </p:nvGrpSpPr>
+      <p:grpSpPr>
+        <a:xfrm>
+          <a:off x="0" y="0"/>
+          <a:ext cx="0" cy="0"/>
+          <a:chOff x="0" y="0"/>
+          <a:chExt cx="0" cy="0"/>
+        </a:xfrm>
+      </p:grpSpPr>
+      <p:sp>
+        <p:nvSpPr>
+          <p:cNvPr id="91" name="TextShape 1"/>
+          <p:cNvSpPr txBox="1"/>
+          <p:nvPr/>
+        </p:nvSpPr>
+        <p:spPr>
+          <a:xfrm>
+            <a:off x="504000" y="301320"/>
+            <a:ext cx="9071640" cy="1262160"/>
+          </a:xfrm>
+          <a:prstGeom prst="rect">
+            <a:avLst/>
+          </a:prstGeom>
+        </p:spPr>
+        <p:txBody>
+          <a:bodyPr lIns="0" rIns="0" tIns="0" bIns="0" anchor="ctr"/>
+          <a:p>
+            <a:r>
+              <a:rPr lang="en-US" sz="3600">
+                <a:latin typeface="Arial"/>
+              </a:rPr>
+              <a:t>#06 </a:t>
+            </a:r>
+            <a:r>
+              <a:rPr lang="en-US" sz="3600">
+                <a:latin typeface="Arial"/>
+              </a:rPr>
+              <a:t>不加</a:t>
+            </a:r>
+            <a:r>
+              <a:rPr lang="en-US" sz="3600">
+                <a:latin typeface="Arial"/>
+              </a:rPr>
+              <a:t>virtual</a:t>
+            </a:r>
+            <a:r>
+              <a:rPr lang="en-US" sz="3600">
+                <a:latin typeface="Arial"/>
+              </a:rPr>
+              <a:t>的函数就不是虚函数吗</a:t>
+            </a:r>
+            <a:endParaRPr/>
+          </a:p>
+        </p:txBody>
+      </p:sp>
+      <p:sp>
+        <p:nvSpPr>
+          <p:cNvPr id="92" name="TextShape 2"/>
+          <p:cNvSpPr txBox="1"/>
+          <p:nvPr/>
+        </p:nvSpPr>
+        <p:spPr>
+          <a:xfrm>
+            <a:off x="504000" y="1800000"/>
+            <a:ext cx="9072000" cy="4384440"/>
+          </a:xfrm>
+          <a:prstGeom prst="rect">
+            <a:avLst/>
+          </a:prstGeom>
+        </p:spPr>
+        <p:txBody>
+          <a:bodyPr lIns="0" rIns="0" tIns="0" bIns="0"/>
+          <a:p>
+            <a:pPr>
+              <a:buSzPct val="45000"/>
+              <a:buFont typeface="StarSymbol"/>
+              <a:buChar char=""/>
+            </a:pPr>
+            <a:r>
+              <a:rPr lang="en-US" sz="2600">
+                <a:latin typeface="Arial"/>
+              </a:rPr>
+              <a:t>不是</a:t>
+            </a:r>
+            <a:endParaRPr/>
+          </a:p>
+          <a:p>
+            <a:pPr lvl="1">
+              <a:buSzPct val="75000"/>
+              <a:buFont typeface="StarSymbol"/>
+              <a:buChar char=""/>
+            </a:pPr>
+            <a:r>
+              <a:rPr lang="en-US" sz="2600">
+                <a:latin typeface="Arial"/>
+              </a:rPr>
+              <a:t>派生类中，和基类中虚函数同名同参数表的函数，不加</a:t>
+            </a:r>
+            <a:r>
+              <a:rPr lang="en-US" sz="2600">
+                <a:latin typeface="Arial"/>
+              </a:rPr>
+              <a:t>virtual</a:t>
+            </a:r>
+            <a:r>
+              <a:rPr lang="en-US" sz="2600">
+                <a:latin typeface="Arial"/>
+              </a:rPr>
+              <a:t>也自动成为虚函数．</a:t>
+            </a:r>
+            <a:endParaRPr/>
+          </a:p>
+        </p:txBody>
+      </p:sp>
+    </p:spTree>
+  </p:cSld>
+  <p:timing>
+    <p:tnLst>
+      <p:par>
+        <p:cTn id="13" dur="indefinite" restart="never" nodeType="tmRoot">
+          <p:childTnLst>
+            <p:seq>
+              <p:cTn id="14" nodeType="mainSeq"/>
+              <p:prevCondLst>
+                <p:cond delay="0" evt="onPrev">
+                  <p:tgtEl>
+                    <p:sldTgt/>
+                  </p:tgtEl>
+                </p:cond>
+              </p:prevCondLst>
+              <p:nextCondLst>
+                <p:cond delay="0" evt="onNext">
+                  <p:tgtEl>
+                    <p:sldTgt/>
+                  </p:tgtEl>
+                </p:cond>
+              </p:nextCondLst>
+            </p:seq>
+          </p:childTnLst>
+        </p:cTn>
+      </p:par>
+    </p:tnLst>
+  </p:timing>
+</p:sld>
+</file>
+
+<file path=ppt/slides/slide8.xml><?xml version="1.0" encoding="utf-8"?>
+<p:sld xmlns:a="http://schemas.openxmlformats.org/drawingml/2006/main" xmlns:p="http://schemas.openxmlformats.org/presentationml/2006/main" xmlns:r="http://schemas.openxmlformats.org/officeDocument/2006/relationships">
+  <p:cSld>
+    <p:spTree>
+      <p:nvGrpSpPr>
+        <p:cNvPr id="1" name=""/>
+        <p:cNvGrpSpPr/>
+        <p:nvPr/>
+      </p:nvGrpSpPr>
+      <p:grpSpPr>
+        <a:xfrm>
+          <a:off x="0" y="0"/>
+          <a:ext cx="0" cy="0"/>
+          <a:chOff x="0" y="0"/>
+          <a:chExt cx="0" cy="0"/>
+        </a:xfrm>
+      </p:grpSpPr>
+      <p:sp>
+        <p:nvSpPr>
+          <p:cNvPr id="93" name="TextShape 1"/>
+          <p:cNvSpPr txBox="1"/>
+          <p:nvPr/>
+        </p:nvSpPr>
+        <p:spPr>
+          <a:xfrm>
+            <a:off x="504000" y="576000"/>
+            <a:ext cx="7200000" cy="720000"/>
+          </a:xfrm>
+          <a:prstGeom prst="rect">
+            <a:avLst/>
+          </a:prstGeom>
+        </p:spPr>
+        <p:txBody>
+          <a:bodyPr lIns="0" rIns="0" tIns="0" bIns="0" anchor="ctr"/>
+          <a:p>
+            <a:r>
+              <a:rPr lang="en-US" sz="3600">
+                <a:latin typeface="Arial"/>
+              </a:rPr>
+              <a:t>#07 </a:t>
+            </a:r>
+            <a:r>
+              <a:rPr lang="en-US" sz="3600">
+                <a:latin typeface="Arial"/>
+              </a:rPr>
+              <a:t>多态实现原理</a:t>
+            </a:r>
+            <a:endParaRPr/>
+          </a:p>
+        </p:txBody>
+      </p:sp>
+      <p:sp>
+        <p:nvSpPr>
+          <p:cNvPr id="94" name="TextShape 2"/>
+          <p:cNvSpPr txBox="1"/>
+          <p:nvPr/>
+        </p:nvSpPr>
+        <p:spPr>
+          <a:xfrm>
+            <a:off x="504000" y="1800000"/>
+            <a:ext cx="9072000" cy="4384440"/>
+          </a:xfrm>
+          <a:prstGeom prst="rect">
+            <a:avLst/>
+          </a:prstGeom>
+        </p:spPr>
+        <p:txBody>
+          <a:bodyPr lIns="0" rIns="0" tIns="0" bIns="0"/>
+          <a:p>
+            <a:pPr>
+              <a:buSzPct val="45000"/>
+              <a:buFont typeface="StarSymbol"/>
+              <a:buChar char=""/>
+            </a:pPr>
+            <a:r>
+              <a:rPr lang="en-US" sz="2200">
+                <a:latin typeface="Arial"/>
+              </a:rPr>
+              <a:t>“</a:t>
+            </a:r>
+            <a:r>
+              <a:rPr lang="en-US" sz="2200">
+                <a:latin typeface="Arial"/>
+              </a:rPr>
+              <a:t>多态” 的关键在于通过基类指针或引用调用一个虚函数时，编译时不确定到底调用的是基类还是派生类的函数，运行时才确定 </a:t>
+            </a:r>
+            <a:r>
+              <a:rPr lang="en-US" sz="2200">
+                <a:latin typeface="Arial"/>
+              </a:rPr>
+              <a:t>---- </a:t>
+            </a:r>
+            <a:r>
+              <a:rPr lang="en-US" sz="2200">
+                <a:latin typeface="Arial"/>
+              </a:rPr>
+              <a:t>这叫“动态联编” 。 “动态联编” 到底是怎么实现的呢？</a:t>
+            </a:r>
+            <a:endParaRPr/>
+          </a:p>
+          <a:p>
+            <a:pPr>
+              <a:buSzPct val="45000"/>
+              <a:buFont typeface="StarSymbol"/>
+              <a:buChar char=""/>
+            </a:pPr>
+            <a:r>
+              <a:rPr lang="en-US" sz="2200">
+                <a:latin typeface="Arial"/>
+              </a:rPr>
+              <a:t>每个含有虚函数的类，它的空间都比原先没有虚函数时多４个字节．这四个字节就是存放虚函数表的地址．</a:t>
+            </a:r>
+            <a:endParaRPr/>
+          </a:p>
+          <a:p>
+            <a:pPr>
+              <a:buSzPct val="45000"/>
+              <a:buFont typeface="StarSymbol"/>
+              <a:buChar char=""/>
+            </a:pPr>
+            <a:endParaRPr/>
+          </a:p>
+        </p:txBody>
+      </p:sp>
+      <p:pic>
+        <p:nvPicPr>
+          <p:cNvPr id="95" name="" descr=""/>
+          <p:cNvPicPr/>
+          <p:nvPr/>
+        </p:nvPicPr>
+        <p:blipFill>
+          <a:blip r:embed="rId1"/>
+          <a:stretch>
+            <a:fillRect/>
+          </a:stretch>
+        </p:blipFill>
+        <p:spPr>
+          <a:xfrm>
+            <a:off x="1005840" y="3931920"/>
+            <a:ext cx="4846320" cy="2866680"/>
+          </a:xfrm>
+          <a:prstGeom prst="rect">
+            <a:avLst/>
+          </a:prstGeom>
+          <a:ln>
+            <a:noFill/>
+          </a:ln>
+        </p:spPr>
+      </p:pic>
+    </p:spTree>
+  </p:cSld>
+  <p:timing>
+    <p:tnLst>
+      <p:par>
+        <p:cTn id="15" dur="indefinite" restart="never" nodeType="tmRoot">
+          <p:childTnLst>
+            <p:seq>
+              <p:cTn id="16" nodeType="mainSeq"/>
+              <p:prevCondLst>
+                <p:cond delay="0" evt="onPrev">
+                  <p:tgtEl>
+                    <p:sldTgt/>
+                  </p:tgtEl>
+                </p:cond>
+              </p:prevCondLst>
+              <p:nextCondLst>
+                <p:cond delay="0" evt="onNext">
+                  <p:tgtEl>
+                    <p:sldTgt/>
+                  </p:tgtEl>
+                </p:cond>
+              </p:nextCondLst>
+            </p:seq>
+          </p:childTnLst>
+        </p:cTn>
+      </p:par>
+    </p:tnLst>
+  </p:timing>
+</p:sld>
+</file>
+
+<file path=ppt/slides/slide9.xml><?xml version="1.0" encoding="utf-8"?>
+<p:sld xmlns:a="http://schemas.openxmlformats.org/drawingml/2006/main" xmlns:p="http://schemas.openxmlformats.org/presentationml/2006/main" xmlns:r="http://schemas.openxmlformats.org/officeDocument/2006/relationships">
+  <p:cSld>
+    <p:spTree>
+      <p:nvGrpSpPr>
+        <p:cNvPr id="1" name=""/>
+        <p:cNvGrpSpPr/>
+        <p:nvPr/>
+      </p:nvGrpSpPr>
+      <p:grpSpPr>
+        <a:xfrm>
+          <a:off x="0" y="0"/>
+          <a:ext cx="0" cy="0"/>
+          <a:chOff x="0" y="0"/>
+          <a:chExt cx="0" cy="0"/>
+        </a:xfrm>
+      </p:grpSpPr>
+      <p:sp>
+        <p:nvSpPr>
+          <p:cNvPr id="96" name="TextShape 1"/>
+          <p:cNvSpPr txBox="1"/>
+          <p:nvPr/>
+        </p:nvSpPr>
+        <p:spPr>
+          <a:xfrm>
+            <a:off x="504000" y="576000"/>
+            <a:ext cx="7200000" cy="720000"/>
+          </a:xfrm>
+          <a:prstGeom prst="rect">
+            <a:avLst/>
+          </a:prstGeom>
+        </p:spPr>
+        <p:txBody>
+          <a:bodyPr lIns="0" rIns="0" tIns="0" bIns="0" anchor="ctr"/>
+          <a:p>
+            <a:r>
+              <a:rPr lang="en-US" sz="3600">
+                <a:latin typeface="Arial"/>
+              </a:rPr>
+              <a:t>＃</a:t>
+            </a:r>
+            <a:r>
+              <a:rPr lang="en-US" sz="3600">
+                <a:latin typeface="Arial"/>
+              </a:rPr>
+              <a:t>08 </a:t>
+            </a:r>
+            <a:r>
+              <a:rPr lang="en-US" sz="3600">
+                <a:latin typeface="Arial"/>
+              </a:rPr>
+              <a:t>多态实现的关键</a:t>
+            </a:r>
+            <a:r>
+              <a:rPr lang="en-US" sz="3600">
+                <a:latin typeface="Arial"/>
+              </a:rPr>
+              <a:t>--</a:t>
+            </a:r>
+            <a:r>
+              <a:rPr lang="en-US" sz="3600">
+                <a:latin typeface="Arial"/>
+              </a:rPr>
+              <a:t>虚函数表</a:t>
+            </a:r>
+            <a:endParaRPr/>
+          </a:p>
+        </p:txBody>
+      </p:sp>
+      <p:sp>
+        <p:nvSpPr>
+          <p:cNvPr id="97" name="TextShape 2"/>
+          <p:cNvSpPr txBox="1"/>
+          <p:nvPr/>
+        </p:nvSpPr>
+        <p:spPr>
+          <a:xfrm>
+            <a:off x="504000" y="1800000"/>
+            <a:ext cx="9072000" cy="4384440"/>
+          </a:xfrm>
+          <a:prstGeom prst="rect">
+            <a:avLst/>
+          </a:prstGeom>
+        </p:spPr>
+        <p:txBody>
+          <a:bodyPr lIns="0" rIns="0" tIns="0" bIns="0"/>
+          <a:p>
+            <a:endParaRPr/>
+          </a:p>
+        </p:txBody>
+      </p:sp>
+      <p:pic>
+        <p:nvPicPr>
+          <p:cNvPr id="98" name="" descr=""/>
+          <p:cNvPicPr/>
+          <p:nvPr/>
+        </p:nvPicPr>
+        <p:blipFill>
+          <a:blip r:embed="rId1"/>
+          <a:stretch>
+            <a:fillRect/>
+          </a:stretch>
+        </p:blipFill>
+        <p:spPr>
+          <a:xfrm>
+            <a:off x="822960" y="1800000"/>
+            <a:ext cx="5114520" cy="3229200"/>
+          </a:xfrm>
+          <a:prstGeom prst="rect">
+            <a:avLst/>
+          </a:prstGeom>
+          <a:ln>
+            <a:noFill/>
+          </a:ln>
+        </p:spPr>
+      </p:pic>
+    </p:spTree>
+  </p:cSld>
+  <p:timing>
+    <p:tnLst>
+      <p:par>
+        <p:cTn id="17" dur="indefinite" restart="never" nodeType="tmRoot">
+          <p:childTnLst>
+            <p:seq>
+              <p:cTn id="18" nodeType="mainSeq"/>
               <p:prevCondLst>
                 <p:cond delay="0" evt="onPrev">
                   <p:tgtEl>
@@ -2481,4 +4843,227 @@
     </a:fmtScheme>
   </a:themeElements>
 </a:theme>
+</file>
+
+<file path=ppt/theme/theme2.xml><?xml version="1.0" encoding="utf-8"?>
+<a:theme xmlns:a="http://schemas.openxmlformats.org/drawingml/2006/main" name="Office Theme">
+  <a:themeElements>
+    <a:clrScheme name="Office">
+      <a:dk1>
+        <a:sysClr val="windowText" lastClr="000000"/>
+      </a:dk1>
+      <a:lt1>
+        <a:sysClr val="window" lastClr="FFFFFF"/>
+      </a:lt1>
+      <a:dk2>
+        <a:srgbClr val="1F497D"/>
+      </a:dk2>
+      <a:lt2>
+        <a:srgbClr val="EEECE1"/>
+      </a:lt2>
+      <a:accent1>
+        <a:srgbClr val="4F81BD"/>
+      </a:accent1>
+      <a:accent2>
+        <a:srgbClr val="C0504D"/>
+      </a:accent2>
+      <a:accent3>
+        <a:srgbClr val="9BBB59"/>
+      </a:accent3>
+      <a:accent4>
+        <a:srgbClr val="8064A2"/>
+      </a:accent4>
+      <a:accent5>
+        <a:srgbClr val="4BACC6"/>
+      </a:accent5>
+      <a:accent6>
+        <a:srgbClr val="F79646"/>
+      </a:accent6>
+      <a:hlink>
+        <a:srgbClr val="0000FF"/>
+      </a:hlink>
+      <a:folHlink>
+        <a:srgbClr val="800080"/>
+      </a:folHlink>
+    </a:clrScheme>
+    <a:fontScheme name="Office">
+      <a:majorFont>
+        <a:latin typeface="Arial"/>
+        <a:ea typeface="DejaVu Sans"/>
+        <a:cs typeface="DejaVu Sans"/>
+      </a:majorFont>
+      <a:minorFont>
+        <a:latin typeface="Arial"/>
+        <a:ea typeface="DejaVu Sans"/>
+        <a:cs typeface="DejaVu Sans"/>
+      </a:minorFont>
+    </a:fontScheme>
+    <a:fmtScheme name="Office">
+      <a:fillStyleLst>
+        <a:solidFill>
+          <a:schemeClr val="phClr"/>
+        </a:solidFill>
+        <a:gradFill rotWithShape="1">
+          <a:gsLst>
+            <a:gs pos="0">
+              <a:schemeClr val="phClr">
+                <a:tint val="50000"/>
+                <a:satMod val="300000"/>
+              </a:schemeClr>
+            </a:gs>
+            <a:gs pos="35000">
+              <a:schemeClr val="phClr">
+                <a:tint val="37000"/>
+                <a:satMod val="300000"/>
+              </a:schemeClr>
+            </a:gs>
+            <a:gs pos="100000">
+              <a:schemeClr val="phClr">
+                <a:tint val="15000"/>
+                <a:satMod val="350000"/>
+              </a:schemeClr>
+            </a:gs>
+          </a:gsLst>
+          <a:lin ang="16200000" scaled="1"/>
+        </a:gradFill>
+        <a:gradFill rotWithShape="1">
+          <a:gsLst>
+            <a:gs pos="0">
+              <a:schemeClr val="phClr">
+                <a:shade val="51000"/>
+                <a:satMod val="130000"/>
+              </a:schemeClr>
+            </a:gs>
+            <a:gs pos="80000">
+              <a:schemeClr val="phClr">
+                <a:shade val="93000"/>
+                <a:satMod val="130000"/>
+              </a:schemeClr>
+            </a:gs>
+            <a:gs pos="100000">
+              <a:schemeClr val="phClr">
+                <a:shade val="94000"/>
+                <a:satMod val="135000"/>
+              </a:schemeClr>
+            </a:gs>
+          </a:gsLst>
+          <a:lin ang="16200000" scaled="0"/>
+        </a:gradFill>
+      </a:fillStyleLst>
+      <a:lnStyleLst>
+        <a:ln w="9525" cap="flat" cmpd="sng" algn="ctr">
+          <a:solidFill>
+            <a:schemeClr val="phClr">
+              <a:shade val="95000"/>
+              <a:satMod val="105000"/>
+            </a:schemeClr>
+          </a:solidFill>
+          <a:prstDash val="solid"/>
+        </a:ln>
+        <a:ln w="25400" cap="flat" cmpd="sng" algn="ctr">
+          <a:solidFill>
+            <a:schemeClr val="phClr"/>
+          </a:solidFill>
+          <a:prstDash val="solid"/>
+        </a:ln>
+        <a:ln w="38100" cap="flat" cmpd="sng" algn="ctr">
+          <a:solidFill>
+            <a:schemeClr val="phClr"/>
+          </a:solidFill>
+          <a:prstDash val="solid"/>
+        </a:ln>
+      </a:lnStyleLst>
+      <a:effectStyleLst>
+        <a:effectStyle>
+          <a:effectLst>
+            <a:outerShdw blurRad="40000" dist="20000" dir="5400000" rotWithShape="0">
+              <a:srgbClr val="000000">
+                <a:alpha val="38000"/>
+              </a:srgbClr>
+            </a:outerShdw>
+          </a:effectLst>
+        </a:effectStyle>
+        <a:effectStyle>
+          <a:effectLst>
+            <a:outerShdw blurRad="40000" dist="23000" dir="5400000" rotWithShape="0">
+              <a:srgbClr val="000000">
+                <a:alpha val="35000"/>
+              </a:srgbClr>
+            </a:outerShdw>
+          </a:effectLst>
+        </a:effectStyle>
+        <a:effectStyle>
+          <a:effectLst>
+            <a:outerShdw blurRad="40000" dist="23000" dir="5400000" rotWithShape="0">
+              <a:srgbClr val="000000">
+                <a:alpha val="35000"/>
+              </a:srgbClr>
+            </a:outerShdw>
+          </a:effectLst>
+          <a:scene3d>
+            <a:camera prst="orthographicFront">
+              <a:rot lat="0" lon="0" rev="0"/>
+            </a:camera>
+            <a:lightRig rig="threePt" dir="t">
+              <a:rot lat="0" lon="0" rev="1200000"/>
+            </a:lightRig>
+          </a:scene3d>
+          <a:sp3d>
+            <a:bevelT w="63500" h="25400"/>
+          </a:sp3d>
+        </a:effectStyle>
+      </a:effectStyleLst>
+      <a:bgFillStyleLst>
+        <a:solidFill>
+          <a:schemeClr val="phClr"/>
+        </a:solidFill>
+        <a:gradFill rotWithShape="1">
+          <a:gsLst>
+            <a:gs pos="0">
+              <a:schemeClr val="phClr">
+                <a:tint val="40000"/>
+                <a:satMod val="350000"/>
+              </a:schemeClr>
+            </a:gs>
+            <a:gs pos="40000">
+              <a:schemeClr val="phClr">
+                <a:tint val="45000"/>
+                <a:shade val="99000"/>
+                <a:satMod val="350000"/>
+              </a:schemeClr>
+            </a:gs>
+            <a:gs pos="100000">
+              <a:schemeClr val="phClr">
+                <a:shade val="20000"/>
+                <a:satMod val="255000"/>
+              </a:schemeClr>
+            </a:gs>
+          </a:gsLst>
+          <a:path path="circle">
+            <a:fillToRect l="50000" t="-80000" r="50000" b="180000"/>
+          </a:path>
+        </a:gradFill>
+        <a:gradFill rotWithShape="1">
+          <a:gsLst>
+            <a:gs pos="0">
+              <a:schemeClr val="phClr">
+                <a:tint val="80000"/>
+                <a:satMod val="300000"/>
+              </a:schemeClr>
+            </a:gs>
+            <a:gs pos="100000">
+              <a:schemeClr val="phClr">
+                <a:shade val="30000"/>
+                <a:satMod val="200000"/>
+              </a:schemeClr>
+            </a:gs>
+          </a:gsLst>
+          <a:path path="circle">
+            <a:fillToRect l="50000" t="50000" r="50000" b="50000"/>
+          </a:path>
+        </a:gradFill>
+      </a:bgFillStyleLst>
+    </a:fmtScheme>
+  </a:themeElements>
+</a:theme>
 </file>